--- a/WSB_prezentacja_pracy_dyplomowej.pptx
+++ b/WSB_prezentacja_pracy_dyplomowej.pptx
@@ -6675,16 +6675,106 @@
               </a:lnSpc>
             </a:pPr>
             <a:r>
-              <a:rPr lang="en-GB" sz="2000" b="0" strike="noStrike" spc="-1">
+              <a:rPr lang="en-GB" sz="2000" b="0" strike="noStrike" spc="-1" dirty="0" err="1">
                 <a:solidFill>
                   <a:srgbClr val="000000"/>
                 </a:solidFill>
                 <a:latin typeface="Arial"/>
                 <a:ea typeface="DejaVu Sans"/>
               </a:rPr>
-              <a:t>Wersje Aplikacji i skończone zadania </a:t>
-            </a:r>
-            <a:endParaRPr lang="en-GB" sz="2000" b="0" strike="noStrike" spc="-1">
+              <a:t>Wersje</a:t>
+            </a:r>
+            <a:r>
+              <a:rPr lang="en-GB" sz="2000" b="0" strike="noStrike" spc="-1" dirty="0">
+                <a:solidFill>
+                  <a:srgbClr val="000000"/>
+                </a:solidFill>
+                <a:latin typeface="Arial"/>
+                <a:ea typeface="DejaVu Sans"/>
+              </a:rPr>
+              <a:t> </a:t>
+            </a:r>
+            <a:r>
+              <a:rPr lang="en-GB" sz="2000" b="0" strike="noStrike" spc="-1" dirty="0" err="1">
+                <a:solidFill>
+                  <a:srgbClr val="000000"/>
+                </a:solidFill>
+                <a:latin typeface="Arial"/>
+                <a:ea typeface="DejaVu Sans"/>
+              </a:rPr>
+              <a:t>Aplikacji</a:t>
+            </a:r>
+            <a:r>
+              <a:rPr lang="en-GB" sz="2000" b="0" strike="noStrike" spc="-1" dirty="0">
+                <a:solidFill>
+                  <a:srgbClr val="000000"/>
+                </a:solidFill>
+                <a:latin typeface="Arial"/>
+                <a:ea typeface="DejaVu Sans"/>
+              </a:rPr>
+              <a:t> </a:t>
+            </a:r>
+            <a:r>
+              <a:rPr lang="en-GB" sz="2000" b="0" strike="noStrike" spc="-1" dirty="0" err="1">
+                <a:solidFill>
+                  <a:srgbClr val="000000"/>
+                </a:solidFill>
+                <a:latin typeface="Arial"/>
+                <a:ea typeface="DejaVu Sans"/>
+              </a:rPr>
+              <a:t>i</a:t>
+            </a:r>
+            <a:r>
+              <a:rPr lang="en-GB" sz="2000" b="0" strike="noStrike" spc="-1" dirty="0">
+                <a:solidFill>
+                  <a:srgbClr val="000000"/>
+                </a:solidFill>
+                <a:latin typeface="Arial"/>
+                <a:ea typeface="DejaVu Sans"/>
+              </a:rPr>
+              <a:t> </a:t>
+            </a:r>
+            <a:r>
+              <a:rPr lang="en-GB" sz="2000" b="0" strike="noStrike" spc="-1" dirty="0" err="1">
+                <a:solidFill>
+                  <a:srgbClr val="000000"/>
+                </a:solidFill>
+                <a:latin typeface="Arial"/>
+                <a:ea typeface="DejaVu Sans"/>
+              </a:rPr>
+              <a:t>skończone</a:t>
+            </a:r>
+            <a:r>
+              <a:rPr lang="en-GB" sz="2000" b="0" strike="noStrike" spc="-1" dirty="0">
+                <a:solidFill>
+                  <a:srgbClr val="000000"/>
+                </a:solidFill>
+                <a:latin typeface="Arial"/>
+                <a:ea typeface="DejaVu Sans"/>
+              </a:rPr>
+              <a:t> </a:t>
+            </a:r>
+            <a:r>
+              <a:rPr lang="en-GB" sz="2000" b="0" strike="noStrike" spc="-1" dirty="0" err="1">
+                <a:solidFill>
+                  <a:srgbClr val="000000"/>
+                </a:solidFill>
+                <a:latin typeface="Arial"/>
+                <a:ea typeface="DejaVu Sans"/>
+              </a:rPr>
+              <a:t>zadania</a:t>
+            </a:r>
+            <a:r>
+              <a:rPr lang="en-GB" sz="2000" b="0" strike="noStrike" spc="-1" dirty="0">
+                <a:solidFill>
+                  <a:srgbClr val="000000"/>
+                </a:solidFill>
+                <a:latin typeface="Arial"/>
+                <a:ea typeface="DejaVu Sans"/>
+              </a:rPr>
+              <a:t> </a:t>
+            </a:r>
+            <a:endParaRPr lang="en-GB" sz="2000" b="0" strike="noStrike" spc="-1" dirty="0">
               <a:latin typeface="Arial"/>
             </a:endParaRPr>
           </a:p>
@@ -7385,13 +7475,13 @@
           <p:nvPr>
             <p:extLst>
               <p:ext uri="{D42A27DB-BD31-4B8C-83A1-F6EECF244321}">
-                <p14:modId xmlns:p14="http://schemas.microsoft.com/office/powerpoint/2010/main" val="4182773525"/>
+                <p14:modId xmlns:p14="http://schemas.microsoft.com/office/powerpoint/2010/main" val="2762260324"/>
               </p:ext>
             </p:extLst>
           </p:nvPr>
         </p:nvGraphicFramePr>
         <p:xfrm>
-          <a:off x="362880" y="1299892"/>
+          <a:off x="362880" y="1196752"/>
           <a:ext cx="4065104" cy="3311441"/>
         </p:xfrm>
         <a:graphic>
@@ -8818,14 +8908,14 @@
           <p:nvPr>
             <p:extLst>
               <p:ext uri="{D42A27DB-BD31-4B8C-83A1-F6EECF244321}">
-                <p14:modId xmlns:p14="http://schemas.microsoft.com/office/powerpoint/2010/main" val="3018574969"/>
+                <p14:modId xmlns:p14="http://schemas.microsoft.com/office/powerpoint/2010/main" val="3988998398"/>
               </p:ext>
             </p:extLst>
           </p:nvPr>
         </p:nvGraphicFramePr>
         <p:xfrm>
-          <a:off x="4549680" y="1299893"/>
-          <a:ext cx="4198784" cy="3757932"/>
+          <a:off x="4549680" y="1205640"/>
+          <a:ext cx="4198784" cy="3662280"/>
         </p:xfrm>
         <a:graphic>
           <a:graphicData uri="http://schemas.openxmlformats.org/drawingml/2006/table">
@@ -8835,7 +8925,7 @@
                 <a:gridCol w="2216880"/>
                 <a:gridCol w="1981904"/>
               </a:tblGrid>
-              <a:tr h="231323">
+              <a:tr h="227641">
                 <a:tc>
                   <a:txBody>
                     <a:bodyPr/>
@@ -8943,7 +9033,7 @@
                   </a:tcPr>
                 </a:tc>
               </a:tr>
-              <a:tr h="373841">
+              <a:tr h="367890">
                 <a:tc>
                   <a:txBody>
                     <a:bodyPr/>
@@ -8955,10 +9045,22 @@
                         </a:lnSpc>
                       </a:pPr>
                       <a:r>
-                        <a:rPr lang="en-GB" sz="900" b="0" strike="noStrike" spc="-1">
-                          <a:latin typeface="Arial"/>
-                        </a:rPr>
-                        <a:t>__init__                                    </a:t>
+                        <a:rPr lang="en-GB" sz="900" b="0" strike="noStrike" spc="-1" dirty="0">
+                          <a:latin typeface="Arial"/>
+                        </a:rPr>
+                        <a:t>__</a:t>
+                      </a:r>
+                      <a:r>
+                        <a:rPr lang="en-GB" sz="900" b="0" strike="noStrike" spc="-1" dirty="0" err="1">
+                          <a:latin typeface="Arial"/>
+                        </a:rPr>
+                        <a:t>init</a:t>
+                      </a:r>
+                      <a:r>
+                        <a:rPr lang="en-GB" sz="900" b="0" strike="noStrike" spc="-1" dirty="0">
+                          <a:latin typeface="Arial"/>
+                        </a:rPr>
+                        <a:t>__                                    </a:t>
                       </a:r>
                     </a:p>
                   </a:txBody>
@@ -9033,7 +9135,7 @@
                   </a:tcPr>
                 </a:tc>
               </a:tr>
-              <a:tr h="516361">
+              <a:tr h="508140">
                 <a:tc>
                   <a:txBody>
                     <a:bodyPr/>
@@ -9231,7 +9333,7 @@
                   </a:tcPr>
                 </a:tc>
               </a:tr>
-              <a:tr h="373841">
+              <a:tr h="367890">
                 <a:tc>
                   <a:txBody>
                     <a:bodyPr/>
@@ -9321,7 +9423,7 @@
                   </a:tcPr>
                 </a:tc>
               </a:tr>
-              <a:tr h="943918">
+              <a:tr h="928889">
                 <a:tc>
                   <a:txBody>
                     <a:bodyPr/>
@@ -9627,7 +9729,7 @@
                   </a:tcPr>
                 </a:tc>
               </a:tr>
-              <a:tr h="373841">
+              <a:tr h="367890">
                 <a:tc>
                   <a:txBody>
                     <a:bodyPr/>
@@ -9683,10 +9785,64 @@
                         </a:lnSpc>
                       </a:pPr>
                       <a:r>
-                        <a:rPr lang="en-GB" sz="900" b="0" strike="noStrike" spc="-1">
-                          <a:latin typeface="Arial"/>
-                        </a:rPr>
-                        <a:t>załadowanie danych z API JSON i zapis do pliku  </a:t>
+                        <a:rPr lang="en-GB" sz="900" b="0" strike="noStrike" spc="-1" dirty="0" err="1">
+                          <a:latin typeface="Arial"/>
+                        </a:rPr>
+                        <a:t>załadowanie</a:t>
+                      </a:r>
+                      <a:r>
+                        <a:rPr lang="en-GB" sz="900" b="0" strike="noStrike" spc="-1" dirty="0">
+                          <a:latin typeface="Arial"/>
+                        </a:rPr>
+                        <a:t> </a:t>
+                      </a:r>
+                      <a:r>
+                        <a:rPr lang="en-GB" sz="900" b="0" strike="noStrike" spc="-1" dirty="0" err="1">
+                          <a:latin typeface="Arial"/>
+                        </a:rPr>
+                        <a:t>danych</a:t>
+                      </a:r>
+                      <a:r>
+                        <a:rPr lang="en-GB" sz="900" b="0" strike="noStrike" spc="-1" dirty="0">
+                          <a:latin typeface="Arial"/>
+                        </a:rPr>
+                        <a:t> z API JSON </a:t>
+                      </a:r>
+                      <a:r>
+                        <a:rPr lang="en-GB" sz="900" b="0" strike="noStrike" spc="-1" dirty="0" err="1">
+                          <a:latin typeface="Arial"/>
+                        </a:rPr>
+                        <a:t>i</a:t>
+                      </a:r>
+                      <a:r>
+                        <a:rPr lang="en-GB" sz="900" b="0" strike="noStrike" spc="-1" dirty="0">
+                          <a:latin typeface="Arial"/>
+                        </a:rPr>
+                        <a:t> </a:t>
+                      </a:r>
+                      <a:r>
+                        <a:rPr lang="en-GB" sz="900" b="0" strike="noStrike" spc="-1" dirty="0" err="1">
+                          <a:latin typeface="Arial"/>
+                        </a:rPr>
+                        <a:t>zapis</a:t>
+                      </a:r>
+                      <a:r>
+                        <a:rPr lang="en-GB" sz="900" b="0" strike="noStrike" spc="-1" dirty="0">
+                          <a:latin typeface="Arial"/>
+                        </a:rPr>
+                        <a:t> do </a:t>
+                      </a:r>
+                      <a:r>
+                        <a:rPr lang="en-GB" sz="900" b="0" strike="noStrike" spc="-1" dirty="0" err="1">
+                          <a:latin typeface="Arial"/>
+                        </a:rPr>
+                        <a:t>pliku</a:t>
+                      </a:r>
+                      <a:r>
+                        <a:rPr lang="en-GB" sz="900" b="0" strike="noStrike" spc="-1" dirty="0">
+                          <a:latin typeface="Arial"/>
+                        </a:rPr>
+                        <a:t>  </a:t>
                       </a:r>
                     </a:p>
                   </a:txBody>
@@ -9717,7 +9873,7 @@
                   </a:tcPr>
                 </a:tc>
               </a:tr>
-              <a:tr h="373841">
+              <a:tr h="367890">
                 <a:tc>
                   <a:txBody>
                     <a:bodyPr/>
@@ -9807,7 +9963,7 @@
                   </a:tcPr>
                 </a:tc>
               </a:tr>
-              <a:tr h="222985">
+              <a:tr h="227641">
                 <a:tc>
                   <a:txBody>
                     <a:bodyPr/>
@@ -9921,7 +10077,7 @@
                   </a:tcPr>
                 </a:tc>
               </a:tr>
-              <a:tr h="231323">
+              <a:tr h="227641">
                 <a:tc>
                   <a:txBody>
                     <a:bodyPr/>
@@ -10052,24 +10208,24 @@
           <p:nvPr>
             <p:extLst>
               <p:ext uri="{D42A27DB-BD31-4B8C-83A1-F6EECF244321}">
-                <p14:modId xmlns:p14="http://schemas.microsoft.com/office/powerpoint/2010/main" val="268367891"/>
+                <p14:modId xmlns:p14="http://schemas.microsoft.com/office/powerpoint/2010/main" val="3095583001"/>
               </p:ext>
             </p:extLst>
           </p:nvPr>
         </p:nvGraphicFramePr>
         <p:xfrm>
-          <a:off x="4549680" y="5085184"/>
-          <a:ext cx="4320000" cy="1317879"/>
+          <a:off x="4549680" y="4968467"/>
+          <a:ext cx="4198784" cy="1317879"/>
         </p:xfrm>
         <a:graphic>
           <a:graphicData uri="http://schemas.openxmlformats.org/drawingml/2006/table">
             <a:tbl>
               <a:tblPr/>
               <a:tblGrid>
-                <a:gridCol w="1898640"/>
-                <a:gridCol w="2421360"/>
+                <a:gridCol w="1845366"/>
+                <a:gridCol w="2353418"/>
               </a:tblGrid>
-              <a:tr h="140361">
+              <a:tr h="250311">
                 <a:tc>
                   <a:txBody>
                     <a:bodyPr/>
@@ -10177,7 +10333,7 @@
                   </a:tcPr>
                 </a:tc>
               </a:tr>
-              <a:tr h="330976">
+              <a:tr h="378588">
                 <a:tc>
                   <a:txBody>
                     <a:bodyPr/>
@@ -10333,7 +10489,7 @@
                   </a:tcPr>
                 </a:tc>
               </a:tr>
-              <a:tr h="590523">
+              <a:tr h="667245">
                 <a:tc>
                   <a:txBody>
                     <a:bodyPr/>
@@ -14713,14 +14869,34 @@
               <a:t> </a:t>
             </a:r>
             <a:r>
-              <a:rPr lang="en-GB" sz="2400" b="0" strike="noStrike" spc="-1" dirty="0" err="1">
+              <a:rPr lang="pl-PL" sz="2400" spc="-1" dirty="0" err="1" smtClean="0">
                 <a:solidFill>
                   <a:srgbClr val="000000"/>
                 </a:solidFill>
                 <a:latin typeface="Times New Roman"/>
                 <a:ea typeface="DejaVu Sans"/>
               </a:rPr>
-              <a:t>Świata</a:t>
+              <a:t>ś</a:t>
+            </a:r>
+            <a:r>
+              <a:rPr lang="en-GB" sz="2400" b="0" strike="noStrike" spc="-1" dirty="0" err="1" smtClean="0">
+                <a:solidFill>
+                  <a:srgbClr val="000000"/>
+                </a:solidFill>
+                <a:latin typeface="Times New Roman"/>
+                <a:ea typeface="DejaVu Sans"/>
+              </a:rPr>
+              <a:t>wiata</a:t>
+            </a:r>
+            <a:r>
+              <a:rPr lang="en-GB" sz="2400" b="0" strike="noStrike" spc="-1" dirty="0" smtClean="0">
+                <a:solidFill>
+                  <a:srgbClr val="000000"/>
+                </a:solidFill>
+                <a:latin typeface="Times New Roman"/>
+                <a:ea typeface="DejaVu Sans"/>
+              </a:rPr>
+              <a:t> </a:t>
             </a:r>
             <a:r>
               <a:rPr lang="en-GB" sz="2400" b="0" strike="noStrike" spc="-1" dirty="0">
@@ -14730,7 +14906,7 @@
                 <a:latin typeface="Times New Roman"/>
                 <a:ea typeface="DejaVu Sans"/>
               </a:rPr>
-              <a:t> w </a:t>
+              <a:t>w </a:t>
             </a:r>
             <a:r>
               <a:rPr lang="en-GB" sz="2400" b="0" strike="noStrike" spc="-1" dirty="0" err="1">
@@ -14906,17 +15082,37 @@
               <a:t> </a:t>
             </a:r>
             <a:r>
-              <a:rPr lang="en-GB" sz="2400" b="0" strike="noStrike" spc="-1" dirty="0" err="1">
+              <a:rPr lang="pl-PL" sz="2400" b="0" strike="noStrike" spc="-1" dirty="0" smtClean="0">
                 <a:solidFill>
                   <a:srgbClr val="000000"/>
                 </a:solidFill>
                 <a:latin typeface="Times New Roman"/>
                 <a:ea typeface="DejaVu Sans"/>
               </a:rPr>
-              <a:t>osiągnięto</a:t>
-            </a:r>
-            <a:r>
-              <a:rPr lang="en-GB" sz="2400" b="0" strike="noStrike" spc="-1" dirty="0">
+              <a:t>próbowano </a:t>
+            </a:r>
+            <a:r>
+              <a:rPr lang="en-GB" sz="2400" b="0" strike="noStrike" spc="-1" dirty="0" err="1" smtClean="0">
+                <a:solidFill>
+                  <a:srgbClr val="000000"/>
+                </a:solidFill>
+                <a:latin typeface="Times New Roman"/>
+                <a:ea typeface="DejaVu Sans"/>
+              </a:rPr>
+              <a:t>osiągn</a:t>
+            </a:r>
+            <a:r>
+              <a:rPr lang="pl-PL" sz="2400" b="0" strike="noStrike" spc="-1" dirty="0" err="1" smtClean="0">
+                <a:solidFill>
+                  <a:srgbClr val="000000"/>
+                </a:solidFill>
+                <a:latin typeface="Times New Roman"/>
+                <a:ea typeface="DejaVu Sans"/>
+              </a:rPr>
+              <a:t>ąć</a:t>
+            </a:r>
+            <a:r>
+              <a:rPr lang="en-GB" sz="2400" b="0" strike="noStrike" spc="-1" dirty="0" smtClean="0">
                 <a:solidFill>
                   <a:srgbClr val="000000"/>
                 </a:solidFill>
@@ -16484,29 +16680,6 @@
           </a:ln>
         </p:spPr>
       </p:pic>
-      <p:pic>
-        <p:nvPicPr>
-          <p:cNvPr id="131" name="Obraz 6"/>
-          <p:cNvPicPr/>
-          <p:nvPr/>
-        </p:nvPicPr>
-        <p:blipFill>
-          <a:blip r:embed="rId3" cstate="print"/>
-          <a:stretch/>
-        </p:blipFill>
-        <p:spPr>
-          <a:xfrm>
-            <a:off x="1547640" y="3766320"/>
-            <a:ext cx="1267560" cy="1461240"/>
-          </a:xfrm>
-          <a:prstGeom prst="rect">
-            <a:avLst/>
-          </a:prstGeom>
-          <a:ln>
-            <a:noFill/>
-          </a:ln>
-        </p:spPr>
-      </p:pic>
       <p:sp>
         <p:nvSpPr>
           <p:cNvPr id="132" name="CustomShape 1"/>
@@ -16515,8 +16688,8 @@
         </p:nvSpPr>
         <p:spPr>
           <a:xfrm>
-            <a:off x="4212000" y="1196640"/>
-            <a:ext cx="2806920" cy="790560"/>
+            <a:off x="4212000" y="1484784"/>
+            <a:ext cx="2736264" cy="502416"/>
           </a:xfrm>
           <a:prstGeom prst="wedgeRoundRectCallout">
             <a:avLst>
@@ -16558,40 +16731,46 @@
               </a:lnSpc>
             </a:pPr>
             <a:r>
-              <a:rPr lang="en-GB" sz="1600" b="1" strike="noStrike" spc="-1">
+              <a:rPr lang="en-GB" sz="1600" b="0" strike="noStrike" spc="-1" dirty="0" smtClean="0">
                 <a:solidFill>
                   <a:srgbClr val="FFFFFF"/>
                 </a:solidFill>
                 <a:latin typeface="Calibri"/>
                 <a:ea typeface="DejaVu Sans"/>
               </a:rPr>
-              <a:t>Overall Statistics</a:t>
-            </a:r>
-            <a:r>
-              <a:rPr lang="en-GB" sz="1600" b="0" strike="noStrike" spc="-1">
+              <a:t>Suma </a:t>
+            </a:r>
+            <a:r>
+              <a:rPr lang="en-GB" sz="1600" b="0" strike="noStrike" spc="-1" dirty="0" err="1">
                 <a:solidFill>
                   <a:srgbClr val="FFFFFF"/>
                 </a:solidFill>
                 <a:latin typeface="Calibri"/>
                 <a:ea typeface="DejaVu Sans"/>
               </a:rPr>
-              <a:t>, </a:t>
-            </a:r>
-            <a:r>
-              <a:t/>
-            </a:r>
-            <a:br/>
-            <a:r>
-              <a:rPr lang="en-GB" sz="1600" b="0" strike="noStrike" spc="-1">
+              <a:t>wszystkich</a:t>
+            </a:r>
+            <a:r>
+              <a:rPr lang="en-GB" sz="1600" b="0" strike="noStrike" spc="-1" dirty="0">
                 <a:solidFill>
                   <a:srgbClr val="FFFFFF"/>
                 </a:solidFill>
                 <a:latin typeface="Calibri"/>
                 <a:ea typeface="DejaVu Sans"/>
               </a:rPr>
-              <a:t>Suma wszystkich przypadków</a:t>
-            </a:r>
-            <a:endParaRPr lang="en-GB" sz="1600" b="0" strike="noStrike" spc="-1">
+              <a:t> </a:t>
+            </a:r>
+            <a:r>
+              <a:rPr lang="en-GB" sz="1600" b="0" strike="noStrike" spc="-1" dirty="0" err="1">
+                <a:solidFill>
+                  <a:srgbClr val="FFFFFF"/>
+                </a:solidFill>
+                <a:latin typeface="Calibri"/>
+                <a:ea typeface="DejaVu Sans"/>
+              </a:rPr>
+              <a:t>przypadków</a:t>
+            </a:r>
+            <a:endParaRPr lang="en-GB" sz="1600" b="0" strike="noStrike" spc="-1" dirty="0">
               <a:latin typeface="Arial"/>
             </a:endParaRPr>
           </a:p>
@@ -16605,8 +16784,8 @@
         </p:nvSpPr>
         <p:spPr>
           <a:xfrm flipH="1">
-            <a:off x="5866560" y="3429000"/>
-            <a:ext cx="2302920" cy="1366560"/>
+            <a:off x="5866560" y="3645024"/>
+            <a:ext cx="2302920" cy="1150536"/>
           </a:xfrm>
           <a:prstGeom prst="wedgeRoundRectCallout">
             <a:avLst>
@@ -16648,40 +16827,56 @@
               </a:lnSpc>
             </a:pPr>
             <a:r>
-              <a:rPr lang="en-GB" sz="1600" b="1" strike="noStrike" spc="-1">
+              <a:rPr lang="en-GB" sz="1600" b="0" strike="noStrike" spc="-1" dirty="0" smtClean="0">
                 <a:solidFill>
                   <a:srgbClr val="FFFFFF"/>
                 </a:solidFill>
                 <a:latin typeface="Calibri"/>
                 <a:ea typeface="DejaVu Sans"/>
               </a:rPr>
-              <a:t>Indicator</a:t>
-            </a:r>
-            <a:r>
-              <a:rPr lang="en-GB" sz="1600" b="0" strike="noStrike" spc="-1">
+              <a:t> </a:t>
+            </a:r>
+            <a:r>
+              <a:rPr lang="pl-PL" sz="1600" b="0" strike="noStrike" spc="-1" dirty="0" smtClean="0">
                 <a:solidFill>
                   <a:srgbClr val="FFFFFF"/>
                 </a:solidFill>
                 <a:latin typeface="Calibri"/>
                 <a:ea typeface="DejaVu Sans"/>
               </a:rPr>
-              <a:t>,</a:t>
-            </a:r>
-            <a:r>
-              <a:t/>
-            </a:r>
-            <a:br/>
-            <a:r>
-              <a:rPr lang="en-GB" sz="1600" b="0" strike="noStrike" spc="-1">
+              <a:t>Marker generowany jeżeli są </a:t>
+            </a:r>
+            <a:r>
+              <a:rPr lang="en-GB" sz="1600" b="0" strike="noStrike" spc="-1" dirty="0" err="1" smtClean="0">
                 <a:solidFill>
                   <a:srgbClr val="FFFFFF"/>
                 </a:solidFill>
                 <a:latin typeface="Calibri"/>
                 <a:ea typeface="DejaVu Sans"/>
               </a:rPr>
-              <a:t> Wskaźnik pojawiający się jeśli w danym kraju pojawiły się przypadki Covid19</a:t>
-            </a:r>
-            <a:endParaRPr lang="en-GB" sz="1600" b="0" strike="noStrike" spc="-1">
+              <a:t>przypadki</a:t>
+            </a:r>
+            <a:r>
+              <a:rPr lang="en-GB" sz="1600" b="0" strike="noStrike" spc="-1" dirty="0" smtClean="0">
+                <a:solidFill>
+                  <a:srgbClr val="FFFFFF"/>
+                </a:solidFill>
+                <a:latin typeface="Calibri"/>
+                <a:ea typeface="DejaVu Sans"/>
+              </a:rPr>
+              <a:t> Covid19</a:t>
+            </a:r>
+            <a:r>
+              <a:rPr lang="pl-PL" sz="1600" b="0" strike="noStrike" spc="-1" dirty="0" smtClean="0">
+                <a:solidFill>
+                  <a:srgbClr val="FFFFFF"/>
+                </a:solidFill>
+                <a:latin typeface="Calibri"/>
+                <a:ea typeface="DejaVu Sans"/>
+              </a:rPr>
+              <a:t> w danym kraju</a:t>
+            </a:r>
+            <a:endParaRPr lang="en-GB" sz="1600" b="0" strike="noStrike" spc="-1" dirty="0">
               <a:latin typeface="Arial"/>
             </a:endParaRPr>
           </a:p>
@@ -16695,8 +16890,8 @@
         </p:nvSpPr>
         <p:spPr>
           <a:xfrm flipH="1">
-            <a:off x="1186200" y="1845000"/>
-            <a:ext cx="2571120" cy="862560"/>
+            <a:off x="1835696" y="2060848"/>
+            <a:ext cx="1921624" cy="646712"/>
           </a:xfrm>
           <a:prstGeom prst="wedgeRoundRectCallout">
             <a:avLst>
@@ -16738,40 +16933,86 @@
               </a:lnSpc>
             </a:pPr>
             <a:r>
-              <a:rPr lang="en-GB" sz="1600" b="1" strike="noStrike" spc="-1">
+              <a:rPr lang="en-GB" sz="1600" b="0" strike="noStrike" spc="-1" dirty="0" smtClean="0">
                 <a:solidFill>
                   <a:srgbClr val="FFFFFF"/>
                 </a:solidFill>
                 <a:latin typeface="Calibri"/>
                 <a:ea typeface="DejaVu Sans"/>
               </a:rPr>
-              <a:t>Country Specific Stats</a:t>
-            </a:r>
-            <a:r>
-              <a:rPr lang="en-GB" sz="1600" b="0" strike="noStrike" spc="-1">
+              <a:t> Dane </a:t>
+            </a:r>
+            <a:r>
+              <a:rPr lang="en-GB" sz="1600" b="0" strike="noStrike" spc="-1" dirty="0" err="1" smtClean="0">
                 <a:solidFill>
                   <a:srgbClr val="FFFFFF"/>
                 </a:solidFill>
                 <a:latin typeface="Calibri"/>
                 <a:ea typeface="DejaVu Sans"/>
               </a:rPr>
-              <a:t>,</a:t>
-            </a:r>
-            <a:r>
-              <a:t/>
-            </a:r>
-            <a:br/>
-            <a:r>
-              <a:rPr lang="en-GB" sz="1600" b="0" strike="noStrike" spc="-1">
+              <a:t>przypadków</a:t>
+            </a:r>
+            <a:r>
+              <a:rPr lang="en-GB" sz="1600" b="0" strike="noStrike" spc="-1" dirty="0" smtClean="0">
                 <a:solidFill>
                   <a:srgbClr val="FFFFFF"/>
                 </a:solidFill>
                 <a:latin typeface="Calibri"/>
                 <a:ea typeface="DejaVu Sans"/>
               </a:rPr>
-              <a:t> Dane przypadków w wybranym kraju </a:t>
-            </a:r>
-            <a:endParaRPr lang="en-GB" sz="1600" b="0" strike="noStrike" spc="-1">
+              <a:t> </a:t>
+            </a:r>
+            <a:r>
+              <a:rPr lang="en-GB" sz="1600" b="0" strike="noStrike" spc="-1" dirty="0">
+                <a:solidFill>
+                  <a:srgbClr val="FFFFFF"/>
+                </a:solidFill>
+                <a:latin typeface="Calibri"/>
+                <a:ea typeface="DejaVu Sans"/>
+              </a:rPr>
+              <a:t>w </a:t>
+            </a:r>
+            <a:r>
+              <a:rPr lang="en-GB" sz="1600" b="0" strike="noStrike" spc="-1" dirty="0" err="1">
+                <a:solidFill>
+                  <a:srgbClr val="FFFFFF"/>
+                </a:solidFill>
+                <a:latin typeface="Calibri"/>
+                <a:ea typeface="DejaVu Sans"/>
+              </a:rPr>
+              <a:t>wybranym</a:t>
+            </a:r>
+            <a:r>
+              <a:rPr lang="en-GB" sz="1600" b="0" strike="noStrike" spc="-1" dirty="0">
+                <a:solidFill>
+                  <a:srgbClr val="FFFFFF"/>
+                </a:solidFill>
+                <a:latin typeface="Calibri"/>
+                <a:ea typeface="DejaVu Sans"/>
+              </a:rPr>
+              <a:t> </a:t>
+            </a:r>
+            <a:r>
+              <a:rPr lang="en-GB" sz="1600" b="0" strike="noStrike" spc="-1" dirty="0" err="1">
+                <a:solidFill>
+                  <a:srgbClr val="FFFFFF"/>
+                </a:solidFill>
+                <a:latin typeface="Calibri"/>
+                <a:ea typeface="DejaVu Sans"/>
+              </a:rPr>
+              <a:t>kraju</a:t>
+            </a:r>
+            <a:r>
+              <a:rPr lang="en-GB" sz="1600" b="0" strike="noStrike" spc="-1" dirty="0">
+                <a:solidFill>
+                  <a:srgbClr val="FFFFFF"/>
+                </a:solidFill>
+                <a:latin typeface="Calibri"/>
+                <a:ea typeface="DejaVu Sans"/>
+              </a:rPr>
+              <a:t> </a:t>
+            </a:r>
+            <a:endParaRPr lang="en-GB" sz="1600" b="0" strike="noStrike" spc="-1" dirty="0">
               <a:latin typeface="Arial"/>
             </a:endParaRPr>
           </a:p>
@@ -16779,37 +17020,69 @@
       </p:sp>
       <p:sp>
         <p:nvSpPr>
-          <p:cNvPr id="135" name="CustomShape 4"/>
+          <p:cNvPr id="3" name="Objaśnienie prostokątne zaokrąglone 2"/>
           <p:cNvSpPr/>
           <p:nvPr/>
         </p:nvSpPr>
         <p:spPr>
           <a:xfrm>
-            <a:off x="1377000" y="3838320"/>
-            <a:ext cx="1428840" cy="1306800"/>
+            <a:off x="1220926" y="3886183"/>
+            <a:ext cx="1290468" cy="625816"/>
+          </a:xfrm>
+          <a:prstGeom prst="wedgeRoundRectCallout">
+            <a:avLst>
+              <a:gd name="adj1" fmla="val 58940"/>
+              <a:gd name="adj2" fmla="val -23548"/>
+              <a:gd name="adj3" fmla="val 16667"/>
+            </a:avLst>
+          </a:prstGeom>
+          <a:solidFill>
+            <a:srgbClr val="92D050"/>
+          </a:solidFill>
+        </p:spPr>
+        <p:style>
+          <a:lnRef idx="2">
+            <a:schemeClr val="accent3">
+              <a:shade val="50000"/>
+            </a:schemeClr>
+          </a:lnRef>
+          <a:fillRef idx="1">
+            <a:schemeClr val="accent3"/>
+          </a:fillRef>
+          <a:effectRef idx="0">
+            <a:schemeClr val="accent3"/>
+          </a:effectRef>
+          <a:fontRef idx="minor">
+            <a:schemeClr val="lt1"/>
+          </a:fontRef>
+        </p:style>
+        <p:txBody>
+          <a:bodyPr rtlCol="0" anchor="ctr"/>
+          <a:lstStyle/>
+          <a:p>
+            <a:pPr algn="ctr"/>
+            <a:endParaRPr lang="en-US"/>
+          </a:p>
+        </p:txBody>
+      </p:sp>
+      <p:sp>
+        <p:nvSpPr>
+          <p:cNvPr id="4" name="pole tekstowe 3"/>
+          <p:cNvSpPr txBox="1"/>
+          <p:nvPr/>
+        </p:nvSpPr>
+        <p:spPr>
+          <a:xfrm>
+            <a:off x="1206886" y="3886183"/>
+            <a:ext cx="1318548" cy="584775"/>
           </a:xfrm>
           <a:prstGeom prst="rect">
             <a:avLst/>
           </a:prstGeom>
           <a:noFill/>
-          <a:ln>
-            <a:noFill/>
-          </a:ln>
         </p:spPr>
-        <p:style>
-          <a:lnRef idx="0">
-            <a:scrgbClr r="0" g="0" b="0"/>
-          </a:lnRef>
-          <a:fillRef idx="0">
-            <a:scrgbClr r="0" g="0" b="0"/>
-          </a:fillRef>
-          <a:effectRef idx="0">
-            <a:scrgbClr r="0" g="0" b="0"/>
-          </a:effectRef>
-          <a:fontRef idx="minor"/>
-        </p:style>
         <p:txBody>
-          <a:bodyPr lIns="90000" tIns="45000" rIns="90000" bIns="45000">
+          <a:bodyPr wrap="square" rtlCol="0">
             <a:spAutoFit/>
           </a:bodyPr>
           <a:lstStyle/>
@@ -16820,28 +17093,15 @@
               </a:lnSpc>
             </a:pPr>
             <a:r>
-              <a:rPr lang="en-GB" sz="1600" b="1" strike="noStrike" spc="-1">
+              <a:rPr lang="pl-PL" sz="1600" b="1" spc="-1" dirty="0">
                 <a:solidFill>
                   <a:srgbClr val="FFFFFF"/>
                 </a:solidFill>
                 <a:latin typeface="Calibri"/>
-                <a:ea typeface="DejaVu Sans"/>
-              </a:rPr>
-              <a:t>Charts</a:t>
-            </a:r>
-            <a:r>
-              <a:rPr lang="en-GB" sz="1600" b="0" strike="noStrike" spc="-1">
-                <a:solidFill>
-                  <a:srgbClr val="FFFFFF"/>
-                </a:solidFill>
-                <a:latin typeface="Calibri"/>
-                <a:ea typeface="DejaVu Sans"/>
-              </a:rPr>
-              <a:t>, Możliwość przejścia w dane szczegółowe</a:t>
-            </a:r>
-            <a:endParaRPr lang="en-GB" sz="1600" b="0" strike="noStrike" spc="-1">
-              <a:latin typeface="Arial"/>
-            </a:endParaRPr>
+              </a:rPr>
+              <a:t>Generowanie wykresów</a:t>
+            </a:r>
+            <a:endParaRPr lang="en-GB" sz="1600" spc="-1" dirty="0"/>
           </a:p>
         </p:txBody>
       </p:sp>
@@ -16911,8 +17171,8 @@
         </p:nvSpPr>
         <p:spPr>
           <a:xfrm>
-            <a:off x="1979712" y="1412776"/>
-            <a:ext cx="5758920" cy="646560"/>
+            <a:off x="2627784" y="1556792"/>
+            <a:ext cx="3672408" cy="502544"/>
           </a:xfrm>
           <a:prstGeom prst="wedgeRoundRectCallout">
             <a:avLst>
@@ -16954,14 +17214,24 @@
               </a:lnSpc>
             </a:pPr>
             <a:r>
-              <a:rPr lang="en-GB" sz="1600" b="1" strike="noStrike" spc="-1" dirty="0">
+              <a:rPr lang="en-GB" sz="1600" b="0" strike="noStrike" spc="-1" dirty="0" smtClean="0">
                 <a:solidFill>
                   <a:srgbClr val="FFFFFF"/>
                 </a:solidFill>
                 <a:latin typeface="Calibri"/>
                 <a:ea typeface="DejaVu Sans"/>
               </a:rPr>
-              <a:t>Daily World Statistics</a:t>
+              <a:t>Dane z </a:t>
+            </a:r>
+            <a:r>
+              <a:rPr lang="en-GB" sz="1600" b="0" strike="noStrike" spc="-1" dirty="0" err="1">
+                <a:solidFill>
+                  <a:srgbClr val="FFFFFF"/>
+                </a:solidFill>
+                <a:latin typeface="Calibri"/>
+                <a:ea typeface="DejaVu Sans"/>
+              </a:rPr>
+              <a:t>całego</a:t>
             </a:r>
             <a:r>
               <a:rPr lang="en-GB" sz="1600" b="0" strike="noStrike" spc="-1" dirty="0">
@@ -16971,134 +17241,27 @@
                 <a:latin typeface="Calibri"/>
                 <a:ea typeface="DejaVu Sans"/>
               </a:rPr>
-              <a:t>, </a:t>
-            </a:r>
-            <a:r>
-              <a:rPr dirty="0"/>
-              <a:t/>
-            </a:r>
-            <a:br>
-              <a:rPr dirty="0"/>
-            </a:br>
-            <a:r>
-              <a:rPr lang="en-GB" sz="1600" b="0" strike="noStrike" spc="-1" dirty="0">
+              <a:t> </a:t>
+            </a:r>
+            <a:r>
+              <a:rPr lang="en-GB" sz="1600" b="0" strike="noStrike" spc="-1" dirty="0" err="1" smtClean="0">
                 <a:solidFill>
                   <a:srgbClr val="FFFFFF"/>
                 </a:solidFill>
                 <a:latin typeface="Calibri"/>
                 <a:ea typeface="DejaVu Sans"/>
               </a:rPr>
-              <a:t>Dane z </a:t>
-            </a:r>
-            <a:r>
-              <a:rPr lang="en-GB" sz="1600" b="0" strike="noStrike" spc="-1" dirty="0" err="1">
+              <a:t>Świata</a:t>
+            </a:r>
+            <a:r>
+              <a:rPr lang="pl-PL" sz="1600" b="0" strike="noStrike" spc="-1" dirty="0" smtClean="0">
                 <a:solidFill>
                   <a:srgbClr val="FFFFFF"/>
                 </a:solidFill>
                 <a:latin typeface="Calibri"/>
                 <a:ea typeface="DejaVu Sans"/>
               </a:rPr>
-              <a:t>całego</a:t>
-            </a:r>
-            <a:r>
-              <a:rPr lang="en-GB" sz="1600" b="0" strike="noStrike" spc="-1" dirty="0">
-                <a:solidFill>
-                  <a:srgbClr val="FFFFFF"/>
-                </a:solidFill>
-                <a:latin typeface="Calibri"/>
-                <a:ea typeface="DejaVu Sans"/>
-              </a:rPr>
-              <a:t> </a:t>
-            </a:r>
-            <a:r>
-              <a:rPr lang="en-GB" sz="1600" b="0" strike="noStrike" spc="-1" dirty="0" err="1">
-                <a:solidFill>
-                  <a:srgbClr val="FFFFFF"/>
-                </a:solidFill>
-                <a:latin typeface="Calibri"/>
-                <a:ea typeface="DejaVu Sans"/>
-              </a:rPr>
-              <a:t>Świata</a:t>
-            </a:r>
-            <a:r>
-              <a:rPr lang="en-GB" sz="1600" b="0" strike="noStrike" spc="-1" dirty="0">
-                <a:solidFill>
-                  <a:srgbClr val="FFFFFF"/>
-                </a:solidFill>
-                <a:latin typeface="Calibri"/>
-                <a:ea typeface="DejaVu Sans"/>
-              </a:rPr>
-              <a:t> </a:t>
-            </a:r>
-            <a:r>
-              <a:rPr lang="en-GB" sz="1600" b="0" strike="noStrike" spc="-1" dirty="0" err="1">
-                <a:solidFill>
-                  <a:srgbClr val="FFFFFF"/>
-                </a:solidFill>
-                <a:latin typeface="Calibri"/>
-                <a:ea typeface="DejaVu Sans"/>
-              </a:rPr>
-              <a:t>widoczne</a:t>
-            </a:r>
-            <a:r>
-              <a:rPr lang="en-GB" sz="1600" b="0" strike="noStrike" spc="-1" dirty="0">
-                <a:solidFill>
-                  <a:srgbClr val="FFFFFF"/>
-                </a:solidFill>
-                <a:latin typeface="Calibri"/>
-                <a:ea typeface="DejaVu Sans"/>
-              </a:rPr>
-              <a:t> </a:t>
-            </a:r>
-            <a:r>
-              <a:rPr lang="en-GB" sz="1600" b="0" strike="noStrike" spc="-1" dirty="0" err="1">
-                <a:solidFill>
-                  <a:srgbClr val="FFFFFF"/>
-                </a:solidFill>
-                <a:latin typeface="Calibri"/>
-                <a:ea typeface="DejaVu Sans"/>
-              </a:rPr>
-              <a:t>na</a:t>
-            </a:r>
-            <a:r>
-              <a:rPr lang="en-GB" sz="1600" b="0" strike="noStrike" spc="-1" dirty="0">
-                <a:solidFill>
-                  <a:srgbClr val="FFFFFF"/>
-                </a:solidFill>
-                <a:latin typeface="Calibri"/>
-                <a:ea typeface="DejaVu Sans"/>
-              </a:rPr>
-              <a:t> </a:t>
-            </a:r>
-            <a:r>
-              <a:rPr lang="en-GB" sz="1600" b="0" strike="noStrike" spc="-1" dirty="0" err="1">
-                <a:solidFill>
-                  <a:srgbClr val="FFFFFF"/>
-                </a:solidFill>
-                <a:latin typeface="Calibri"/>
-                <a:ea typeface="DejaVu Sans"/>
-              </a:rPr>
-              <a:t>wykresie</a:t>
-            </a:r>
-            <a:r>
-              <a:rPr lang="en-GB" sz="1600" b="0" strike="noStrike" spc="-1" dirty="0">
-                <a:solidFill>
-                  <a:srgbClr val="FFFFFF"/>
-                </a:solidFill>
-                <a:latin typeface="Calibri"/>
-                <a:ea typeface="DejaVu Sans"/>
-              </a:rPr>
-              <a:t> </a:t>
-            </a:r>
-            <a:r>
-              <a:rPr lang="en-GB" sz="1600" b="0" strike="noStrike" spc="-1" dirty="0" err="1">
-                <a:solidFill>
-                  <a:srgbClr val="FFFFFF"/>
-                </a:solidFill>
-                <a:latin typeface="Calibri"/>
-                <a:ea typeface="DejaVu Sans"/>
-              </a:rPr>
-              <a:t>liniowym</a:t>
+              <a:t> w ujęciu dziennym</a:t>
             </a:r>
             <a:endParaRPr lang="en-GB" sz="1600" b="0" strike="noStrike" spc="-1" dirty="0">
               <a:latin typeface="Arial"/>
@@ -17115,7 +17278,7 @@
         <p:spPr>
           <a:xfrm rot="10800000" flipV="1">
             <a:off x="7164288" y="3573016"/>
-            <a:ext cx="1582560" cy="1582560"/>
+            <a:ext cx="1224136" cy="1440160"/>
           </a:xfrm>
           <a:prstGeom prst="wedgeRoundRectCallout">
             <a:avLst>
@@ -17127,21 +17290,23 @@
           <a:solidFill>
             <a:srgbClr val="92D050"/>
           </a:solidFill>
-          <a:ln>
-            <a:round/>
-          </a:ln>
+          <a:ln/>
         </p:spPr>
         <p:style>
           <a:lnRef idx="2">
-            <a:schemeClr val="accent3"/>
+            <a:schemeClr val="accent3">
+              <a:shade val="50000"/>
+            </a:schemeClr>
           </a:lnRef>
           <a:fillRef idx="1">
-            <a:schemeClr val="lt1"/>
+            <a:schemeClr val="accent3"/>
           </a:fillRef>
           <a:effectRef idx="0">
             <a:schemeClr val="accent3"/>
           </a:effectRef>
-          <a:fontRef idx="minor"/>
+          <a:fontRef idx="minor">
+            <a:schemeClr val="lt1"/>
+          </a:fontRef>
         </p:style>
         <p:txBody>
           <a:bodyPr lIns="90000" tIns="45000" rIns="90000" bIns="45000" anchor="ctr">
@@ -17155,26 +17320,96 @@
               </a:lnSpc>
             </a:pPr>
             <a:r>
-              <a:rPr lang="en-GB" sz="1600" b="1" strike="noStrike" spc="-1">
+              <a:rPr lang="en-GB" sz="1600" b="0" strike="noStrike" spc="-1" dirty="0" err="1" smtClean="0">
                 <a:solidFill>
                   <a:srgbClr val="FFFFFF"/>
                 </a:solidFill>
                 <a:latin typeface="Calibri"/>
                 <a:ea typeface="DejaVu Sans"/>
               </a:rPr>
-              <a:t>Line Charts</a:t>
-            </a:r>
-            <a:r>
-              <a:rPr lang="en-GB" sz="1600" b="0" strike="noStrike" spc="-1">
+              <a:t>Możliwości</a:t>
+            </a:r>
+            <a:r>
+              <a:rPr lang="en-GB" sz="1600" b="0" strike="noStrike" spc="-1" dirty="0" smtClean="0">
                 <a:solidFill>
                   <a:srgbClr val="FFFFFF"/>
                 </a:solidFill>
                 <a:latin typeface="Calibri"/>
                 <a:ea typeface="DejaVu Sans"/>
               </a:rPr>
-              <a:t>, Możliwości usunięcia lub dodania wykresu</a:t>
-            </a:r>
-            <a:endParaRPr lang="en-GB" sz="1600" b="0" strike="noStrike" spc="-1">
+              <a:t> </a:t>
+            </a:r>
+            <a:r>
+              <a:rPr lang="en-GB" sz="1600" b="0" strike="noStrike" spc="-1" dirty="0" err="1">
+                <a:solidFill>
+                  <a:srgbClr val="FFFFFF"/>
+                </a:solidFill>
+                <a:latin typeface="Calibri"/>
+                <a:ea typeface="DejaVu Sans"/>
+              </a:rPr>
+              <a:t>usunięcia</a:t>
+            </a:r>
+            <a:r>
+              <a:rPr lang="en-GB" sz="1600" b="0" strike="noStrike" spc="-1" dirty="0">
+                <a:solidFill>
+                  <a:srgbClr val="FFFFFF"/>
+                </a:solidFill>
+                <a:latin typeface="Calibri"/>
+                <a:ea typeface="DejaVu Sans"/>
+              </a:rPr>
+              <a:t> </a:t>
+            </a:r>
+            <a:r>
+              <a:rPr lang="en-GB" sz="1600" b="0" strike="noStrike" spc="-1" dirty="0" err="1">
+                <a:solidFill>
+                  <a:srgbClr val="FFFFFF"/>
+                </a:solidFill>
+                <a:latin typeface="Calibri"/>
+                <a:ea typeface="DejaVu Sans"/>
+              </a:rPr>
+              <a:t>lub</a:t>
+            </a:r>
+            <a:r>
+              <a:rPr lang="en-GB" sz="1600" b="0" strike="noStrike" spc="-1" dirty="0">
+                <a:solidFill>
+                  <a:srgbClr val="FFFFFF"/>
+                </a:solidFill>
+                <a:latin typeface="Calibri"/>
+                <a:ea typeface="DejaVu Sans"/>
+              </a:rPr>
+              <a:t> </a:t>
+            </a:r>
+            <a:r>
+              <a:rPr lang="en-GB" sz="1600" b="0" strike="noStrike" spc="-1" dirty="0" err="1">
+                <a:solidFill>
+                  <a:srgbClr val="FFFFFF"/>
+                </a:solidFill>
+                <a:latin typeface="Calibri"/>
+                <a:ea typeface="DejaVu Sans"/>
+              </a:rPr>
+              <a:t>dodania</a:t>
+            </a:r>
+            <a:r>
+              <a:rPr lang="en-GB" sz="1600" b="0" strike="noStrike" spc="-1" dirty="0">
+                <a:solidFill>
+                  <a:srgbClr val="FFFFFF"/>
+                </a:solidFill>
+                <a:latin typeface="Calibri"/>
+                <a:ea typeface="DejaVu Sans"/>
+              </a:rPr>
+              <a:t> </a:t>
+            </a:r>
+            <a:r>
+              <a:rPr lang="en-GB" sz="1600" b="0" strike="noStrike" spc="-1" dirty="0" err="1">
+                <a:solidFill>
+                  <a:srgbClr val="FFFFFF"/>
+                </a:solidFill>
+                <a:latin typeface="Calibri"/>
+                <a:ea typeface="DejaVu Sans"/>
+              </a:rPr>
+              <a:t>wykresu</a:t>
+            </a:r>
+            <a:endParaRPr lang="en-GB" sz="1600" b="0" strike="noStrike" spc="-1" dirty="0">
               <a:latin typeface="Arial"/>
             </a:endParaRPr>
           </a:p>
@@ -17246,8 +17481,8 @@
         </p:nvSpPr>
         <p:spPr>
           <a:xfrm>
-            <a:off x="2123728" y="1307254"/>
-            <a:ext cx="5830920" cy="646560"/>
+            <a:off x="3059832" y="1484784"/>
+            <a:ext cx="3384376" cy="469030"/>
           </a:xfrm>
           <a:prstGeom prst="wedgeRoundRectCallout">
             <a:avLst>
@@ -17289,14 +17524,24 @@
               </a:lnSpc>
             </a:pPr>
             <a:r>
-              <a:rPr lang="en-GB" sz="1600" b="1" strike="noStrike" spc="-1" dirty="0">
+              <a:rPr lang="en-GB" sz="1600" b="0" strike="noStrike" spc="-1" dirty="0" smtClean="0">
                 <a:solidFill>
                   <a:srgbClr val="FFFFFF"/>
                 </a:solidFill>
                 <a:latin typeface="Calibri"/>
                 <a:ea typeface="DejaVu Sans"/>
               </a:rPr>
-              <a:t>Country Charts</a:t>
+              <a:t> </a:t>
+            </a:r>
+            <a:r>
+              <a:rPr lang="en-GB" sz="1600" b="0" strike="noStrike" spc="-1" dirty="0" err="1">
+                <a:solidFill>
+                  <a:srgbClr val="FFFFFF"/>
+                </a:solidFill>
+                <a:latin typeface="Calibri"/>
+                <a:ea typeface="DejaVu Sans"/>
+              </a:rPr>
+              <a:t>Zestawienie</a:t>
             </a:r>
             <a:r>
               <a:rPr lang="en-GB" sz="1600" b="0" strike="noStrike" spc="-1" dirty="0">
@@ -17306,15 +17551,18 @@
                 <a:latin typeface="Calibri"/>
                 <a:ea typeface="DejaVu Sans"/>
               </a:rPr>
-              <a:t>,</a:t>
-            </a:r>
-            <a:r>
-              <a:rPr dirty="0"/>
-              <a:t/>
-            </a:r>
-            <a:br>
-              <a:rPr dirty="0"/>
-            </a:br>
+              <a:t> </a:t>
+            </a:r>
+            <a:r>
+              <a:rPr lang="en-GB" sz="1600" b="0" strike="noStrike" spc="-1" dirty="0" err="1">
+                <a:solidFill>
+                  <a:srgbClr val="FFFFFF"/>
+                </a:solidFill>
+                <a:latin typeface="Calibri"/>
+                <a:ea typeface="DejaVu Sans"/>
+              </a:rPr>
+              <a:t>danych</a:t>
+            </a:r>
             <a:r>
               <a:rPr lang="en-GB" sz="1600" b="0" strike="noStrike" spc="-1" dirty="0">
                 <a:solidFill>
@@ -17326,117 +17574,17 @@
               <a:t> </a:t>
             </a:r>
             <a:r>
-              <a:rPr lang="en-GB" sz="1600" b="0" strike="noStrike" spc="-1" dirty="0" err="1">
+              <a:rPr lang="en-GB" sz="1600" b="0" strike="noStrike" spc="-1" dirty="0" err="1" smtClean="0">
                 <a:solidFill>
                   <a:srgbClr val="FFFFFF"/>
                 </a:solidFill>
                 <a:latin typeface="Calibri"/>
                 <a:ea typeface="DejaVu Sans"/>
               </a:rPr>
-              <a:t>Zestawienie</a:t>
-            </a:r>
-            <a:r>
-              <a:rPr lang="en-GB" sz="1600" b="0" strike="noStrike" spc="-1" dirty="0">
-                <a:solidFill>
-                  <a:srgbClr val="FFFFFF"/>
-                </a:solidFill>
-                <a:latin typeface="Calibri"/>
-                <a:ea typeface="DejaVu Sans"/>
-              </a:rPr>
-              <a:t> </a:t>
-            </a:r>
-            <a:r>
-              <a:rPr lang="en-GB" sz="1600" b="0" strike="noStrike" spc="-1" dirty="0" err="1">
-                <a:solidFill>
-                  <a:srgbClr val="FFFFFF"/>
-                </a:solidFill>
-                <a:latin typeface="Calibri"/>
-                <a:ea typeface="DejaVu Sans"/>
-              </a:rPr>
-              <a:t>danych</a:t>
-            </a:r>
-            <a:r>
-              <a:rPr lang="en-GB" sz="1600" b="0" strike="noStrike" spc="-1" dirty="0">
-                <a:solidFill>
-                  <a:srgbClr val="FFFFFF"/>
-                </a:solidFill>
-                <a:latin typeface="Calibri"/>
-                <a:ea typeface="DejaVu Sans"/>
-              </a:rPr>
-              <a:t> w </a:t>
-            </a:r>
-            <a:r>
-              <a:rPr lang="en-GB" sz="1600" b="0" strike="noStrike" spc="-1" dirty="0" err="1">
-                <a:solidFill>
-                  <a:srgbClr val="FFFFFF"/>
-                </a:solidFill>
-                <a:latin typeface="Calibri"/>
-                <a:ea typeface="DejaVu Sans"/>
-              </a:rPr>
-              <a:t>formie</a:t>
-            </a:r>
-            <a:r>
-              <a:rPr lang="en-GB" sz="1600" b="0" strike="noStrike" spc="-1" dirty="0">
-                <a:solidFill>
-                  <a:srgbClr val="FFFFFF"/>
-                </a:solidFill>
-                <a:latin typeface="Calibri"/>
-                <a:ea typeface="DejaVu Sans"/>
-              </a:rPr>
-              <a:t> </a:t>
-            </a:r>
-            <a:r>
-              <a:rPr lang="en-GB" sz="1600" b="0" strike="noStrike" spc="-1" dirty="0" err="1">
-                <a:solidFill>
-                  <a:srgbClr val="FFFFFF"/>
-                </a:solidFill>
-                <a:latin typeface="Calibri"/>
-                <a:ea typeface="DejaVu Sans"/>
-              </a:rPr>
-              <a:t>wykresu</a:t>
-            </a:r>
-            <a:r>
-              <a:rPr lang="en-GB" sz="1600" b="0" strike="noStrike" spc="-1" dirty="0">
-                <a:solidFill>
-                  <a:srgbClr val="FFFFFF"/>
-                </a:solidFill>
-                <a:latin typeface="Calibri"/>
-                <a:ea typeface="DejaVu Sans"/>
-              </a:rPr>
-              <a:t> </a:t>
-            </a:r>
-            <a:r>
-              <a:rPr lang="en-GB" sz="1600" b="0" strike="noStrike" spc="-1" dirty="0" err="1">
-                <a:solidFill>
-                  <a:srgbClr val="FFFFFF"/>
-                </a:solidFill>
-                <a:latin typeface="Calibri"/>
-                <a:ea typeface="DejaVu Sans"/>
-              </a:rPr>
-              <a:t>liniowego</a:t>
-            </a:r>
-            <a:r>
-              <a:rPr lang="en-GB" sz="1600" b="0" strike="noStrike" spc="-1" dirty="0">
-                <a:solidFill>
-                  <a:srgbClr val="FFFFFF"/>
-                </a:solidFill>
-                <a:latin typeface="Calibri"/>
-                <a:ea typeface="DejaVu Sans"/>
-              </a:rPr>
-              <a:t> </a:t>
-            </a:r>
-            <a:r>
-              <a:rPr lang="en-GB" sz="1600" b="0" strike="noStrike" spc="-1" dirty="0" err="1">
-                <a:solidFill>
-                  <a:srgbClr val="FFFFFF"/>
-                </a:solidFill>
-                <a:latin typeface="Calibri"/>
-                <a:ea typeface="DejaVu Sans"/>
-              </a:rPr>
               <a:t>dla</a:t>
             </a:r>
             <a:r>
-              <a:rPr lang="en-GB" sz="1600" b="0" strike="noStrike" spc="-1" dirty="0">
+              <a:rPr lang="en-GB" sz="1600" b="0" strike="noStrike" spc="-1" dirty="0" smtClean="0">
                 <a:solidFill>
                   <a:srgbClr val="FFFFFF"/>
                 </a:solidFill>
@@ -17490,7 +17638,7 @@
         <p:spPr>
           <a:xfrm rot="10800000" flipV="1">
             <a:off x="7020272" y="3429000"/>
-            <a:ext cx="1654920" cy="1582560"/>
+            <a:ext cx="1296144" cy="1008112"/>
           </a:xfrm>
           <a:prstGeom prst="wedgeRoundRectCallout">
             <a:avLst>
@@ -17532,14 +17680,24 @@
               </a:lnSpc>
             </a:pPr>
             <a:r>
-              <a:rPr lang="en-GB" sz="1600" b="1" strike="noStrike" spc="-1" dirty="0">
+              <a:rPr lang="en-GB" sz="1600" b="0" strike="noStrike" spc="-1" dirty="0" smtClean="0">
                 <a:solidFill>
                   <a:srgbClr val="FFFFFF"/>
                 </a:solidFill>
                 <a:latin typeface="Calibri"/>
                 <a:ea typeface="DejaVu Sans"/>
               </a:rPr>
-              <a:t>Line Charts</a:t>
+              <a:t> </a:t>
+            </a:r>
+            <a:r>
+              <a:rPr lang="en-GB" sz="1600" b="0" strike="noStrike" spc="-1" dirty="0" err="1">
+                <a:solidFill>
+                  <a:srgbClr val="FFFFFF"/>
+                </a:solidFill>
+                <a:latin typeface="Calibri"/>
+                <a:ea typeface="DejaVu Sans"/>
+              </a:rPr>
+              <a:t>Możliwości</a:t>
             </a:r>
             <a:r>
               <a:rPr lang="en-GB" sz="1600" b="0" strike="noStrike" spc="-1" dirty="0">
@@ -17549,80 +17707,20 @@
                 <a:latin typeface="Calibri"/>
                 <a:ea typeface="DejaVu Sans"/>
               </a:rPr>
-              <a:t>, </a:t>
-            </a:r>
-            <a:r>
-              <a:rPr lang="en-GB" sz="1600" b="0" strike="noStrike" spc="-1" dirty="0" err="1">
+              <a:t> </a:t>
+            </a:r>
+            <a:r>
+              <a:rPr lang="pl-PL" sz="1600" b="0" strike="noStrike" spc="-1" dirty="0" smtClean="0">
                 <a:solidFill>
                   <a:srgbClr val="FFFFFF"/>
                 </a:solidFill>
                 <a:latin typeface="Calibri"/>
                 <a:ea typeface="DejaVu Sans"/>
               </a:rPr>
-              <a:t>Możliwości</a:t>
-            </a:r>
-            <a:r>
-              <a:rPr lang="en-GB" sz="1600" b="0" strike="noStrike" spc="-1" dirty="0">
-                <a:solidFill>
-                  <a:srgbClr val="FFFFFF"/>
-                </a:solidFill>
-                <a:latin typeface="Calibri"/>
-                <a:ea typeface="DejaVu Sans"/>
-              </a:rPr>
-              <a:t> </a:t>
-            </a:r>
-            <a:r>
-              <a:rPr lang="en-GB" sz="1600" b="0" strike="noStrike" spc="-1" dirty="0" err="1">
-                <a:solidFill>
-                  <a:srgbClr val="FFFFFF"/>
-                </a:solidFill>
-                <a:latin typeface="Calibri"/>
-                <a:ea typeface="DejaVu Sans"/>
-              </a:rPr>
-              <a:t>usunięcia</a:t>
-            </a:r>
-            <a:r>
-              <a:rPr lang="en-GB" sz="1600" b="0" strike="noStrike" spc="-1" dirty="0">
-                <a:solidFill>
-                  <a:srgbClr val="FFFFFF"/>
-                </a:solidFill>
-                <a:latin typeface="Calibri"/>
-                <a:ea typeface="DejaVu Sans"/>
-              </a:rPr>
-              <a:t> </a:t>
-            </a:r>
-            <a:r>
-              <a:rPr lang="en-GB" sz="1600" b="0" strike="noStrike" spc="-1" dirty="0" err="1">
-                <a:solidFill>
-                  <a:srgbClr val="FFFFFF"/>
-                </a:solidFill>
-                <a:latin typeface="Calibri"/>
-                <a:ea typeface="DejaVu Sans"/>
-              </a:rPr>
-              <a:t>lub</a:t>
-            </a:r>
-            <a:r>
-              <a:rPr lang="en-GB" sz="1600" b="0" strike="noStrike" spc="-1" dirty="0">
-                <a:solidFill>
-                  <a:srgbClr val="FFFFFF"/>
-                </a:solidFill>
-                <a:latin typeface="Calibri"/>
-                <a:ea typeface="DejaVu Sans"/>
-              </a:rPr>
-              <a:t> </a:t>
-            </a:r>
-            <a:r>
-              <a:rPr lang="en-GB" sz="1600" b="0" strike="noStrike" spc="-1" dirty="0" err="1">
-                <a:solidFill>
-                  <a:srgbClr val="FFFFFF"/>
-                </a:solidFill>
-                <a:latin typeface="Calibri"/>
-                <a:ea typeface="DejaVu Sans"/>
-              </a:rPr>
-              <a:t>dodania</a:t>
-            </a:r>
-            <a:r>
-              <a:rPr lang="en-GB" sz="1600" b="0" strike="noStrike" spc="-1" dirty="0">
+              <a:t>wyboru</a:t>
+            </a:r>
+            <a:r>
+              <a:rPr lang="en-GB" sz="1600" b="0" strike="noStrike" spc="-1" dirty="0" smtClean="0">
                 <a:solidFill>
                   <a:srgbClr val="FFFFFF"/>
                 </a:solidFill>
@@ -17656,7 +17754,7 @@
         <p:spPr>
           <a:xfrm>
             <a:off x="4229640" y="5301360"/>
-            <a:ext cx="2226960" cy="1431000"/>
+            <a:ext cx="2226960" cy="1007960"/>
           </a:xfrm>
           <a:prstGeom prst="wedgeRoundRectCallout">
             <a:avLst>
@@ -17698,26 +17796,146 @@
               </a:lnSpc>
             </a:pPr>
             <a:r>
-              <a:rPr lang="en-GB" sz="1600" b="1" strike="noStrike" spc="-1">
+              <a:rPr lang="en-GB" sz="1600" b="0" strike="noStrike" spc="-1" dirty="0" err="1" smtClean="0">
                 <a:solidFill>
                   <a:srgbClr val="FFFFFF"/>
                 </a:solidFill>
                 <a:latin typeface="Calibri"/>
                 <a:ea typeface="DejaVu Sans"/>
               </a:rPr>
-              <a:t>Specific Dates</a:t>
-            </a:r>
-            <a:r>
-              <a:rPr lang="en-GB" sz="1600" b="0" strike="noStrike" spc="-1">
+              <a:t>Najeżdżając</a:t>
+            </a:r>
+            <a:r>
+              <a:rPr lang="en-GB" sz="1600" b="0" strike="noStrike" spc="-1" dirty="0" smtClean="0">
                 <a:solidFill>
                   <a:srgbClr val="FFFFFF"/>
                 </a:solidFill>
                 <a:latin typeface="Calibri"/>
                 <a:ea typeface="DejaVu Sans"/>
               </a:rPr>
-              <a:t>, Najeżdżając na wykres pokazują się dane z tego dnia, na którym znajduje się kursor</a:t>
-            </a:r>
-            <a:endParaRPr lang="en-GB" sz="1600" b="0" strike="noStrike" spc="-1">
+              <a:t> </a:t>
+            </a:r>
+            <a:r>
+              <a:rPr lang="en-GB" sz="1600" b="0" strike="noStrike" spc="-1" dirty="0" err="1">
+                <a:solidFill>
+                  <a:srgbClr val="FFFFFF"/>
+                </a:solidFill>
+                <a:latin typeface="Calibri"/>
+                <a:ea typeface="DejaVu Sans"/>
+              </a:rPr>
+              <a:t>na</a:t>
+            </a:r>
+            <a:r>
+              <a:rPr lang="en-GB" sz="1600" b="0" strike="noStrike" spc="-1" dirty="0">
+                <a:solidFill>
+                  <a:srgbClr val="FFFFFF"/>
+                </a:solidFill>
+                <a:latin typeface="Calibri"/>
+                <a:ea typeface="DejaVu Sans"/>
+              </a:rPr>
+              <a:t> </a:t>
+            </a:r>
+            <a:r>
+              <a:rPr lang="en-GB" sz="1600" b="0" strike="noStrike" spc="-1" dirty="0" err="1">
+                <a:solidFill>
+                  <a:srgbClr val="FFFFFF"/>
+                </a:solidFill>
+                <a:latin typeface="Calibri"/>
+                <a:ea typeface="DejaVu Sans"/>
+              </a:rPr>
+              <a:t>wykres</a:t>
+            </a:r>
+            <a:r>
+              <a:rPr lang="en-GB" sz="1600" b="0" strike="noStrike" spc="-1" dirty="0">
+                <a:solidFill>
+                  <a:srgbClr val="FFFFFF"/>
+                </a:solidFill>
+                <a:latin typeface="Calibri"/>
+                <a:ea typeface="DejaVu Sans"/>
+              </a:rPr>
+              <a:t> </a:t>
+            </a:r>
+            <a:r>
+              <a:rPr lang="en-GB" sz="1600" b="0" strike="noStrike" spc="-1" dirty="0" err="1">
+                <a:solidFill>
+                  <a:srgbClr val="FFFFFF"/>
+                </a:solidFill>
+                <a:latin typeface="Calibri"/>
+                <a:ea typeface="DejaVu Sans"/>
+              </a:rPr>
+              <a:t>pokazują</a:t>
+            </a:r>
+            <a:r>
+              <a:rPr lang="en-GB" sz="1600" b="0" strike="noStrike" spc="-1" dirty="0">
+                <a:solidFill>
+                  <a:srgbClr val="FFFFFF"/>
+                </a:solidFill>
+                <a:latin typeface="Calibri"/>
+                <a:ea typeface="DejaVu Sans"/>
+              </a:rPr>
+              <a:t> </a:t>
+            </a:r>
+            <a:r>
+              <a:rPr lang="en-GB" sz="1600" b="0" strike="noStrike" spc="-1" dirty="0" err="1">
+                <a:solidFill>
+                  <a:srgbClr val="FFFFFF"/>
+                </a:solidFill>
+                <a:latin typeface="Calibri"/>
+                <a:ea typeface="DejaVu Sans"/>
+              </a:rPr>
+              <a:t>się</a:t>
+            </a:r>
+            <a:r>
+              <a:rPr lang="en-GB" sz="1600" b="0" strike="noStrike" spc="-1" dirty="0">
+                <a:solidFill>
+                  <a:srgbClr val="FFFFFF"/>
+                </a:solidFill>
+                <a:latin typeface="Calibri"/>
+                <a:ea typeface="DejaVu Sans"/>
+              </a:rPr>
+              <a:t> </a:t>
+            </a:r>
+            <a:r>
+              <a:rPr lang="pl-PL" sz="1600" spc="-1" dirty="0" smtClean="0">
+                <a:solidFill>
+                  <a:srgbClr val="FFFFFF"/>
+                </a:solidFill>
+                <a:latin typeface="Calibri"/>
+                <a:ea typeface="DejaVu Sans"/>
+              </a:rPr>
+              <a:t>wartości liczbowe </a:t>
+            </a:r>
+            <a:r>
+              <a:rPr lang="en-GB" sz="1600" b="0" strike="noStrike" spc="-1" dirty="0" smtClean="0">
+                <a:solidFill>
+                  <a:srgbClr val="FFFFFF"/>
+                </a:solidFill>
+                <a:latin typeface="Calibri"/>
+                <a:ea typeface="DejaVu Sans"/>
+              </a:rPr>
+              <a:t>z </a:t>
+            </a:r>
+            <a:r>
+              <a:rPr lang="pl-PL" sz="1600" b="0" strike="noStrike" spc="-1" dirty="0" smtClean="0">
+                <a:solidFill>
+                  <a:srgbClr val="FFFFFF"/>
+                </a:solidFill>
+                <a:latin typeface="Calibri"/>
+                <a:ea typeface="DejaVu Sans"/>
+              </a:rPr>
+              <a:t>danego </a:t>
+            </a:r>
+            <a:r>
+              <a:rPr lang="en-GB" sz="1600" b="0" strike="noStrike" spc="-1" dirty="0" err="1" smtClean="0">
+                <a:solidFill>
+                  <a:srgbClr val="FFFFFF"/>
+                </a:solidFill>
+                <a:latin typeface="Calibri"/>
+                <a:ea typeface="DejaVu Sans"/>
+              </a:rPr>
+              <a:t>dnia</a:t>
+            </a:r>
+            <a:endParaRPr lang="en-GB" sz="1600" b="0" strike="noStrike" spc="-1" dirty="0">
               <a:latin typeface="Arial"/>
             </a:endParaRPr>
           </a:p>
@@ -17789,8 +18007,8 @@
         </p:nvSpPr>
         <p:spPr>
           <a:xfrm>
-            <a:off x="2555640" y="1412640"/>
-            <a:ext cx="4462920" cy="646560"/>
+            <a:off x="3275856" y="1628800"/>
+            <a:ext cx="3096344" cy="430400"/>
           </a:xfrm>
           <a:prstGeom prst="wedgeRoundRectCallout">
             <a:avLst>
@@ -17832,40 +18050,86 @@
               </a:lnSpc>
             </a:pPr>
             <a:r>
-              <a:rPr lang="en-GB" sz="1600" b="1" strike="noStrike" spc="-1">
+              <a:rPr lang="en-GB" sz="1600" b="0" strike="noStrike" spc="-1" dirty="0" smtClean="0">
                 <a:solidFill>
                   <a:srgbClr val="FFFFFF"/>
                 </a:solidFill>
                 <a:latin typeface="Calibri"/>
                 <a:ea typeface="DejaVu Sans"/>
               </a:rPr>
-              <a:t>Daily Statistics</a:t>
-            </a:r>
-            <a:r>
-              <a:rPr lang="en-GB" sz="1600" b="0" strike="noStrike" spc="-1">
+              <a:t>Dane </a:t>
+            </a:r>
+            <a:r>
+              <a:rPr lang="en-GB" sz="1600" b="0" strike="noStrike" spc="-1" dirty="0" err="1">
                 <a:solidFill>
                   <a:srgbClr val="FFFFFF"/>
                 </a:solidFill>
                 <a:latin typeface="Calibri"/>
                 <a:ea typeface="DejaVu Sans"/>
               </a:rPr>
-              <a:t>, </a:t>
-            </a:r>
-            <a:r>
-              <a:t/>
-            </a:r>
-            <a:br/>
-            <a:r>
-              <a:rPr lang="en-GB" sz="1600" b="0" strike="noStrike" spc="-1">
+              <a:t>dzienne</a:t>
+            </a:r>
+            <a:r>
+              <a:rPr lang="en-GB" sz="1600" b="0" strike="noStrike" spc="-1" dirty="0">
                 <a:solidFill>
                   <a:srgbClr val="FFFFFF"/>
                 </a:solidFill>
                 <a:latin typeface="Calibri"/>
                 <a:ea typeface="DejaVu Sans"/>
               </a:rPr>
-              <a:t>Dane dzienne dla wybranego kraju</a:t>
-            </a:r>
-            <a:endParaRPr lang="en-GB" sz="1600" b="0" strike="noStrike" spc="-1">
+              <a:t> </a:t>
+            </a:r>
+            <a:r>
+              <a:rPr lang="en-GB" sz="1600" b="0" strike="noStrike" spc="-1" dirty="0" err="1">
+                <a:solidFill>
+                  <a:srgbClr val="FFFFFF"/>
+                </a:solidFill>
+                <a:latin typeface="Calibri"/>
+                <a:ea typeface="DejaVu Sans"/>
+              </a:rPr>
+              <a:t>dla</a:t>
+            </a:r>
+            <a:r>
+              <a:rPr lang="en-GB" sz="1600" b="0" strike="noStrike" spc="-1" dirty="0">
+                <a:solidFill>
+                  <a:srgbClr val="FFFFFF"/>
+                </a:solidFill>
+                <a:latin typeface="Calibri"/>
+                <a:ea typeface="DejaVu Sans"/>
+              </a:rPr>
+              <a:t> </a:t>
+            </a:r>
+            <a:r>
+              <a:rPr lang="en-GB" sz="1600" b="0" strike="noStrike" spc="-1" dirty="0" err="1">
+                <a:solidFill>
+                  <a:srgbClr val="FFFFFF"/>
+                </a:solidFill>
+                <a:latin typeface="Calibri"/>
+                <a:ea typeface="DejaVu Sans"/>
+              </a:rPr>
+              <a:t>wybranego</a:t>
+            </a:r>
+            <a:r>
+              <a:rPr lang="en-GB" sz="1600" b="0" strike="noStrike" spc="-1" dirty="0">
+                <a:solidFill>
+                  <a:srgbClr val="FFFFFF"/>
+                </a:solidFill>
+                <a:latin typeface="Calibri"/>
+                <a:ea typeface="DejaVu Sans"/>
+              </a:rPr>
+              <a:t> </a:t>
+            </a:r>
+            <a:r>
+              <a:rPr lang="en-GB" sz="1600" b="0" strike="noStrike" spc="-1" dirty="0" err="1">
+                <a:solidFill>
+                  <a:srgbClr val="FFFFFF"/>
+                </a:solidFill>
+                <a:latin typeface="Calibri"/>
+                <a:ea typeface="DejaVu Sans"/>
+              </a:rPr>
+              <a:t>kraju</a:t>
+            </a:r>
+            <a:endParaRPr lang="en-GB" sz="1600" b="0" strike="noStrike" spc="-1" dirty="0">
               <a:latin typeface="Arial"/>
             </a:endParaRPr>
           </a:p>
@@ -17880,7 +18144,7 @@
         <p:spPr>
           <a:xfrm rot="10800000" flipV="1">
             <a:off x="7092280" y="3573016"/>
-            <a:ext cx="1588320" cy="1582560"/>
+            <a:ext cx="1296144" cy="1008112"/>
           </a:xfrm>
           <a:prstGeom prst="wedgeRoundRectCallout">
             <a:avLst>
@@ -17922,14 +18186,44 @@
               </a:lnSpc>
             </a:pPr>
             <a:r>
-              <a:rPr lang="en-GB" sz="1600" b="1" strike="noStrike" spc="-1" dirty="0">
+              <a:rPr lang="en-GB" sz="1600" b="0" strike="noStrike" spc="-1" dirty="0" err="1" smtClean="0">
                 <a:solidFill>
                   <a:srgbClr val="FFFFFF"/>
                 </a:solidFill>
                 <a:latin typeface="Calibri"/>
                 <a:ea typeface="DejaVu Sans"/>
               </a:rPr>
-              <a:t>Line Charts</a:t>
+              <a:t>usunięci</a:t>
+            </a:r>
+            <a:r>
+              <a:rPr lang="pl-PL" sz="1600" b="0" strike="noStrike" spc="-1" dirty="0" smtClean="0">
+                <a:solidFill>
+                  <a:srgbClr val="FFFFFF"/>
+                </a:solidFill>
+                <a:latin typeface="Calibri"/>
+                <a:ea typeface="DejaVu Sans"/>
+              </a:rPr>
+              <a:t>e</a:t>
+            </a:r>
+            <a:r>
+              <a:rPr lang="en-GB" sz="1600" b="0" strike="noStrike" spc="-1" dirty="0" smtClean="0">
+                <a:solidFill>
+                  <a:srgbClr val="FFFFFF"/>
+                </a:solidFill>
+                <a:latin typeface="Calibri"/>
+                <a:ea typeface="DejaVu Sans"/>
+              </a:rPr>
+              <a:t> </a:t>
+            </a:r>
+            <a:r>
+              <a:rPr lang="en-GB" sz="1600" b="0" strike="noStrike" spc="-1" dirty="0" err="1">
+                <a:solidFill>
+                  <a:srgbClr val="FFFFFF"/>
+                </a:solidFill>
+                <a:latin typeface="Calibri"/>
+                <a:ea typeface="DejaVu Sans"/>
+              </a:rPr>
+              <a:t>lub</a:t>
             </a:r>
             <a:r>
               <a:rPr lang="en-GB" sz="1600" b="0" strike="noStrike" spc="-1" dirty="0">
@@ -17939,80 +18233,30 @@
                 <a:latin typeface="Calibri"/>
                 <a:ea typeface="DejaVu Sans"/>
               </a:rPr>
-              <a:t>, </a:t>
-            </a:r>
-            <a:r>
-              <a:rPr lang="en-GB" sz="1600" b="0" strike="noStrike" spc="-1" dirty="0" err="1">
+              <a:t> </a:t>
+            </a:r>
+            <a:r>
+              <a:rPr lang="en-GB" sz="1600" b="0" strike="noStrike" spc="-1" dirty="0" err="1" smtClean="0">
                 <a:solidFill>
                   <a:srgbClr val="FFFFFF"/>
                 </a:solidFill>
                 <a:latin typeface="Calibri"/>
                 <a:ea typeface="DejaVu Sans"/>
               </a:rPr>
-              <a:t>Możliwości</a:t>
-            </a:r>
-            <a:r>
-              <a:rPr lang="en-GB" sz="1600" b="0" strike="noStrike" spc="-1" dirty="0">
+              <a:t>dodani</a:t>
+            </a:r>
+            <a:r>
+              <a:rPr lang="pl-PL" sz="1600" b="0" strike="noStrike" spc="-1" dirty="0" smtClean="0">
                 <a:solidFill>
                   <a:srgbClr val="FFFFFF"/>
                 </a:solidFill>
                 <a:latin typeface="Calibri"/>
                 <a:ea typeface="DejaVu Sans"/>
               </a:rPr>
-              <a:t> </a:t>
-            </a:r>
-            <a:r>
-              <a:rPr lang="en-GB" sz="1600" b="0" strike="noStrike" spc="-1" dirty="0" err="1">
-                <a:solidFill>
-                  <a:srgbClr val="FFFFFF"/>
-                </a:solidFill>
-                <a:latin typeface="Calibri"/>
-                <a:ea typeface="DejaVu Sans"/>
-              </a:rPr>
-              <a:t>usunięcia</a:t>
-            </a:r>
-            <a:r>
-              <a:rPr lang="en-GB" sz="1600" b="0" strike="noStrike" spc="-1" dirty="0">
-                <a:solidFill>
-                  <a:srgbClr val="FFFFFF"/>
-                </a:solidFill>
-                <a:latin typeface="Calibri"/>
-                <a:ea typeface="DejaVu Sans"/>
-              </a:rPr>
-              <a:t> </a:t>
-            </a:r>
-            <a:r>
-              <a:rPr lang="en-GB" sz="1600" b="0" strike="noStrike" spc="-1" dirty="0" err="1">
-                <a:solidFill>
-                  <a:srgbClr val="FFFFFF"/>
-                </a:solidFill>
-                <a:latin typeface="Calibri"/>
-                <a:ea typeface="DejaVu Sans"/>
-              </a:rPr>
-              <a:t>lub</a:t>
-            </a:r>
-            <a:r>
-              <a:rPr lang="en-GB" sz="1600" b="0" strike="noStrike" spc="-1" dirty="0">
-                <a:solidFill>
-                  <a:srgbClr val="FFFFFF"/>
-                </a:solidFill>
-                <a:latin typeface="Calibri"/>
-                <a:ea typeface="DejaVu Sans"/>
-              </a:rPr>
-              <a:t> </a:t>
-            </a:r>
-            <a:r>
-              <a:rPr lang="en-GB" sz="1600" b="0" strike="noStrike" spc="-1" dirty="0" err="1">
-                <a:solidFill>
-                  <a:srgbClr val="FFFFFF"/>
-                </a:solidFill>
-                <a:latin typeface="Calibri"/>
-                <a:ea typeface="DejaVu Sans"/>
-              </a:rPr>
-              <a:t>dodania</a:t>
-            </a:r>
-            <a:r>
-              <a:rPr lang="en-GB" sz="1600" b="0" strike="noStrike" spc="-1" dirty="0">
+              <a:t>e</a:t>
+            </a:r>
+            <a:r>
+              <a:rPr lang="en-GB" sz="1600" b="0" strike="noStrike" spc="-1" dirty="0" smtClean="0">
                 <a:solidFill>
                   <a:srgbClr val="FFFFFF"/>
                 </a:solidFill>
@@ -18104,8 +18348,8 @@
         </p:nvSpPr>
         <p:spPr>
           <a:xfrm>
-            <a:off x="2771800" y="1412776"/>
-            <a:ext cx="4247280" cy="862560"/>
+            <a:off x="3275856" y="1700808"/>
+            <a:ext cx="3024336" cy="574528"/>
           </a:xfrm>
           <a:prstGeom prst="wedgeRoundRectCallout">
             <a:avLst>
@@ -18147,40 +18391,136 @@
               </a:lnSpc>
             </a:pPr>
             <a:r>
-              <a:rPr lang="en-GB" sz="1600" b="1" strike="noStrike" spc="-1">
+              <a:rPr lang="en-GB" sz="1600" b="0" strike="noStrike" spc="-1" dirty="0" smtClean="0">
                 <a:solidFill>
                   <a:srgbClr val="FFFFFF"/>
                 </a:solidFill>
                 <a:latin typeface="Calibri"/>
                 <a:ea typeface="DejaVu Sans"/>
               </a:rPr>
-              <a:t>Country Comparison</a:t>
-            </a:r>
-            <a:r>
-              <a:rPr lang="en-GB" sz="1600" b="0" strike="noStrike" spc="-1">
+              <a:t> </a:t>
+            </a:r>
+            <a:r>
+              <a:rPr lang="pl-PL" sz="1600" b="0" strike="noStrike" spc="-1" dirty="0" smtClean="0">
                 <a:solidFill>
                   <a:srgbClr val="FFFFFF"/>
                 </a:solidFill>
                 <a:latin typeface="Calibri"/>
                 <a:ea typeface="DejaVu Sans"/>
               </a:rPr>
-              <a:t>,</a:t>
-            </a:r>
-            <a:r>
-              <a:t/>
-            </a:r>
-            <a:br/>
-            <a:r>
-              <a:rPr lang="en-GB" sz="1600" b="0" strike="noStrike" spc="-1">
+              <a:t>Wybór</a:t>
+            </a:r>
+            <a:r>
+              <a:rPr lang="en-GB" sz="1600" b="0" strike="noStrike" spc="-1" dirty="0" smtClean="0">
                 <a:solidFill>
                   <a:srgbClr val="FFFFFF"/>
                 </a:solidFill>
                 <a:latin typeface="Calibri"/>
                 <a:ea typeface="DejaVu Sans"/>
               </a:rPr>
-              <a:t> Możliwość dodania do wykresu  dwóch państw i porównania danych na wykresie liniowym </a:t>
-            </a:r>
-            <a:endParaRPr lang="en-GB" sz="1600" b="0" strike="noStrike" spc="-1">
+              <a:t> </a:t>
+            </a:r>
+            <a:r>
+              <a:rPr lang="en-GB" sz="1600" b="0" strike="noStrike" spc="-1" dirty="0" err="1">
+                <a:solidFill>
+                  <a:srgbClr val="FFFFFF"/>
+                </a:solidFill>
+                <a:latin typeface="Calibri"/>
+                <a:ea typeface="DejaVu Sans"/>
+              </a:rPr>
+              <a:t>dwóch</a:t>
+            </a:r>
+            <a:r>
+              <a:rPr lang="en-GB" sz="1600" b="0" strike="noStrike" spc="-1" dirty="0">
+                <a:solidFill>
+                  <a:srgbClr val="FFFFFF"/>
+                </a:solidFill>
+                <a:latin typeface="Calibri"/>
+                <a:ea typeface="DejaVu Sans"/>
+              </a:rPr>
+              <a:t> </a:t>
+            </a:r>
+            <a:r>
+              <a:rPr lang="en-GB" sz="1600" b="0" strike="noStrike" spc="-1" dirty="0" err="1">
+                <a:solidFill>
+                  <a:srgbClr val="FFFFFF"/>
+                </a:solidFill>
+                <a:latin typeface="Calibri"/>
+                <a:ea typeface="DejaVu Sans"/>
+              </a:rPr>
+              <a:t>państw</a:t>
+            </a:r>
+            <a:r>
+              <a:rPr lang="en-GB" sz="1600" b="0" strike="noStrike" spc="-1" dirty="0">
+                <a:solidFill>
+                  <a:srgbClr val="FFFFFF"/>
+                </a:solidFill>
+                <a:latin typeface="Calibri"/>
+                <a:ea typeface="DejaVu Sans"/>
+              </a:rPr>
+              <a:t> </a:t>
+            </a:r>
+            <a:r>
+              <a:rPr lang="en-GB" sz="1600" b="0" strike="noStrike" spc="-1" dirty="0" err="1" smtClean="0">
+                <a:solidFill>
+                  <a:srgbClr val="FFFFFF"/>
+                </a:solidFill>
+                <a:latin typeface="Calibri"/>
+                <a:ea typeface="DejaVu Sans"/>
+              </a:rPr>
+              <a:t>i</a:t>
+            </a:r>
+            <a:r>
+              <a:rPr lang="pl-PL" sz="1600" b="0" strike="noStrike" spc="-1" dirty="0" smtClean="0">
+                <a:solidFill>
+                  <a:srgbClr val="FFFFFF"/>
+                </a:solidFill>
+                <a:latin typeface="Calibri"/>
+                <a:ea typeface="DejaVu Sans"/>
+              </a:rPr>
+              <a:t>dla celów</a:t>
+            </a:r>
+            <a:r>
+              <a:rPr lang="en-GB" sz="1600" b="0" strike="noStrike" spc="-1" dirty="0" smtClean="0">
+                <a:solidFill>
+                  <a:srgbClr val="FFFFFF"/>
+                </a:solidFill>
+                <a:latin typeface="Calibri"/>
+                <a:ea typeface="DejaVu Sans"/>
+              </a:rPr>
+              <a:t> </a:t>
+            </a:r>
+            <a:r>
+              <a:rPr lang="en-GB" sz="1600" b="0" strike="noStrike" spc="-1" dirty="0" err="1" smtClean="0">
+                <a:solidFill>
+                  <a:srgbClr val="FFFFFF"/>
+                </a:solidFill>
+                <a:latin typeface="Calibri"/>
+                <a:ea typeface="DejaVu Sans"/>
+              </a:rPr>
+              <a:t>porówna</a:t>
+            </a:r>
+            <a:r>
+              <a:rPr lang="pl-PL" sz="1600" b="0" strike="noStrike" spc="-1" dirty="0" err="1" smtClean="0">
+                <a:solidFill>
+                  <a:srgbClr val="FFFFFF"/>
+                </a:solidFill>
+                <a:latin typeface="Calibri"/>
+                <a:ea typeface="DejaVu Sans"/>
+              </a:rPr>
+              <a:t>wczych</a:t>
+            </a:r>
+            <a:r>
+              <a:rPr lang="en-GB" sz="1600" b="0" strike="noStrike" spc="-1" dirty="0" smtClean="0">
+                <a:solidFill>
+                  <a:srgbClr val="FFFFFF"/>
+                </a:solidFill>
+                <a:latin typeface="Calibri"/>
+                <a:ea typeface="DejaVu Sans"/>
+              </a:rPr>
+              <a:t> </a:t>
+            </a:r>
+            <a:endParaRPr lang="en-GB" sz="1600" b="0" strike="noStrike" spc="-1" dirty="0">
               <a:latin typeface="Arial"/>
             </a:endParaRPr>
           </a:p>
@@ -18194,13 +18534,13 @@
         </p:nvSpPr>
         <p:spPr>
           <a:xfrm>
-            <a:off x="2051640" y="5157360"/>
-            <a:ext cx="1870920" cy="1330560"/>
+            <a:off x="2483768" y="5157360"/>
+            <a:ext cx="1224136" cy="575896"/>
           </a:xfrm>
           <a:prstGeom prst="wedgeRoundRectCallout">
             <a:avLst>
-              <a:gd name="adj1" fmla="val 20376"/>
-              <a:gd name="adj2" fmla="val -67742"/>
+              <a:gd name="adj1" fmla="val 21087"/>
+              <a:gd name="adj2" fmla="val -72278"/>
               <a:gd name="adj3" fmla="val 16667"/>
             </a:avLst>
           </a:prstGeom>
@@ -18237,40 +18577,66 @@
               </a:lnSpc>
             </a:pPr>
             <a:r>
-              <a:rPr lang="en-GB" sz="1600" b="1" strike="noStrike" spc="-1">
+              <a:rPr lang="en-GB" sz="1600" b="0" strike="noStrike" spc="-1" dirty="0" err="1" smtClean="0">
                 <a:solidFill>
                   <a:srgbClr val="FFFFFF"/>
                 </a:solidFill>
                 <a:latin typeface="Calibri"/>
                 <a:ea typeface="DejaVu Sans"/>
               </a:rPr>
-              <a:t>World Map</a:t>
-            </a:r>
-            <a:r>
-              <a:rPr lang="en-GB" sz="1600" b="0" strike="noStrike" spc="-1">
+              <a:t>Powrót</a:t>
+            </a:r>
+            <a:r>
+              <a:rPr lang="en-GB" sz="1600" b="0" strike="noStrike" spc="-1" dirty="0" smtClean="0">
                 <a:solidFill>
                   <a:srgbClr val="FFFFFF"/>
                 </a:solidFill>
                 <a:latin typeface="Calibri"/>
                 <a:ea typeface="DejaVu Sans"/>
               </a:rPr>
-              <a:t>, </a:t>
-            </a:r>
-            <a:r>
-              <a:t/>
-            </a:r>
-            <a:br/>
-            <a:r>
-              <a:rPr lang="en-GB" sz="1600" b="0" strike="noStrike" spc="-1">
+              <a:t> </a:t>
+            </a:r>
+            <a:r>
+              <a:rPr lang="en-GB" sz="1600" b="0" strike="noStrike" spc="-1" dirty="0">
                 <a:solidFill>
                   <a:srgbClr val="FFFFFF"/>
                 </a:solidFill>
                 <a:latin typeface="Calibri"/>
                 <a:ea typeface="DejaVu Sans"/>
               </a:rPr>
-              <a:t>Powrót do głównej mapy z danymi </a:t>
-            </a:r>
-            <a:endParaRPr lang="en-GB" sz="1600" b="0" strike="noStrike" spc="-1">
+              <a:t>do </a:t>
+            </a:r>
+            <a:r>
+              <a:rPr lang="pl-PL" sz="1600" b="0" strike="noStrike" spc="-1" dirty="0" smtClean="0">
+                <a:solidFill>
+                  <a:srgbClr val="FFFFFF"/>
+                </a:solidFill>
+                <a:latin typeface="Calibri"/>
+                <a:ea typeface="DejaVu Sans"/>
+              </a:rPr>
+              <a:t>m</a:t>
+            </a:r>
+            <a:r>
+              <a:rPr lang="en-GB" sz="1600" b="0" strike="noStrike" spc="-1" dirty="0" err="1" smtClean="0">
+                <a:solidFill>
+                  <a:srgbClr val="FFFFFF"/>
+                </a:solidFill>
+                <a:latin typeface="Calibri"/>
+                <a:ea typeface="DejaVu Sans"/>
+              </a:rPr>
+              <a:t>apy</a:t>
+            </a:r>
+            <a:r>
+              <a:rPr lang="en-GB" sz="1600" b="0" strike="noStrike" spc="-1" dirty="0" smtClean="0">
+                <a:solidFill>
+                  <a:srgbClr val="FFFFFF"/>
+                </a:solidFill>
+                <a:latin typeface="Calibri"/>
+                <a:ea typeface="DejaVu Sans"/>
+              </a:rPr>
+              <a:t> </a:t>
+            </a:r>
+            <a:endParaRPr lang="en-GB" sz="1600" b="0" strike="noStrike" spc="-1" dirty="0">
               <a:latin typeface="Arial"/>
             </a:endParaRPr>
           </a:p>
@@ -18284,8 +18650,8 @@
         </p:nvSpPr>
         <p:spPr>
           <a:xfrm>
-            <a:off x="4500000" y="5157360"/>
-            <a:ext cx="1942920" cy="1330560"/>
+            <a:off x="4644008" y="5157360"/>
+            <a:ext cx="1440160" cy="791920"/>
           </a:xfrm>
           <a:prstGeom prst="wedgeRoundRectCallout">
             <a:avLst>
@@ -18327,26 +18693,66 @@
               </a:lnSpc>
             </a:pPr>
             <a:r>
-              <a:rPr lang="en-GB" sz="1600" b="1" strike="noStrike" spc="-1">
+              <a:rPr lang="pl-PL" sz="1600" b="0" strike="noStrike" spc="-1" dirty="0" smtClean="0">
                 <a:solidFill>
                   <a:srgbClr val="FFFFFF"/>
                 </a:solidFill>
                 <a:latin typeface="Calibri"/>
                 <a:ea typeface="DejaVu Sans"/>
               </a:rPr>
-              <a:t>Generate Chart</a:t>
-            </a:r>
-            <a:r>
-              <a:rPr lang="en-GB" sz="1600" b="0" strike="noStrike" spc="-1">
+              <a:t>G</a:t>
+            </a:r>
+            <a:r>
+              <a:rPr lang="en-GB" sz="1600" b="0" strike="noStrike" spc="-1" dirty="0" err="1" smtClean="0">
                 <a:solidFill>
                   <a:srgbClr val="FFFFFF"/>
                 </a:solidFill>
                 <a:latin typeface="Calibri"/>
                 <a:ea typeface="DejaVu Sans"/>
               </a:rPr>
-              <a:t>, Wygeneruje wykres z wybranymi państwami </a:t>
-            </a:r>
-            <a:endParaRPr lang="en-GB" sz="1600" b="0" strike="noStrike" spc="-1">
+              <a:t>ener</a:t>
+            </a:r>
+            <a:r>
+              <a:rPr lang="pl-PL" sz="1600" b="0" strike="noStrike" spc="-1" dirty="0" err="1" smtClean="0">
+                <a:solidFill>
+                  <a:srgbClr val="FFFFFF"/>
+                </a:solidFill>
+                <a:latin typeface="Calibri"/>
+                <a:ea typeface="DejaVu Sans"/>
+              </a:rPr>
+              <a:t>owanie</a:t>
+            </a:r>
+            <a:r>
+              <a:rPr lang="en-GB" sz="1600" b="0" strike="noStrike" spc="-1" dirty="0" smtClean="0">
+                <a:solidFill>
+                  <a:srgbClr val="FFFFFF"/>
+                </a:solidFill>
+                <a:latin typeface="Calibri"/>
+                <a:ea typeface="DejaVu Sans"/>
+              </a:rPr>
+              <a:t> </a:t>
+            </a:r>
+            <a:r>
+              <a:rPr lang="en-GB" sz="1600" b="0" strike="noStrike" spc="-1" dirty="0" err="1" smtClean="0">
+                <a:solidFill>
+                  <a:srgbClr val="FFFFFF"/>
+                </a:solidFill>
+                <a:latin typeface="Calibri"/>
+                <a:ea typeface="DejaVu Sans"/>
+              </a:rPr>
+              <a:t>wykres</a:t>
+            </a:r>
+            <a:r>
+              <a:rPr lang="pl-PL" sz="1600" b="0" strike="noStrike" spc="-1" dirty="0" smtClean="0">
+                <a:solidFill>
+                  <a:srgbClr val="FFFFFF"/>
+                </a:solidFill>
+                <a:latin typeface="Calibri"/>
+                <a:ea typeface="DejaVu Sans"/>
+              </a:rPr>
+              <a:t>ów</a:t>
+            </a:r>
+            <a:endParaRPr lang="en-GB" sz="1600" b="0" strike="noStrike" spc="-1" dirty="0">
               <a:latin typeface="Arial"/>
             </a:endParaRPr>
           </a:p>
@@ -18418,8 +18824,8 @@
         </p:nvSpPr>
         <p:spPr>
           <a:xfrm>
-            <a:off x="2519280" y="1551159"/>
-            <a:ext cx="5399280" cy="646560"/>
+            <a:off x="3275856" y="1700807"/>
+            <a:ext cx="3528392" cy="496911"/>
           </a:xfrm>
           <a:prstGeom prst="wedgeRoundRectCallout">
             <a:avLst>
@@ -18461,14 +18867,34 @@
               </a:lnSpc>
             </a:pPr>
             <a:r>
-              <a:rPr lang="en-GB" sz="1600" b="1" strike="noStrike" spc="-1" dirty="0">
+              <a:rPr lang="en-GB" sz="1600" b="0" strike="noStrike" spc="-1" dirty="0" err="1" smtClean="0">
                 <a:solidFill>
                   <a:srgbClr val="FFFFFF"/>
                 </a:solidFill>
                 <a:latin typeface="Calibri"/>
                 <a:ea typeface="DejaVu Sans"/>
               </a:rPr>
-              <a:t>Country Comparison</a:t>
+              <a:t>Porównanie</a:t>
+            </a:r>
+            <a:r>
+              <a:rPr lang="en-GB" sz="1600" b="0" strike="noStrike" spc="-1" dirty="0" smtClean="0">
+                <a:solidFill>
+                  <a:srgbClr val="FFFFFF"/>
+                </a:solidFill>
+                <a:latin typeface="Calibri"/>
+                <a:ea typeface="DejaVu Sans"/>
+              </a:rPr>
+              <a:t> </a:t>
+            </a:r>
+            <a:r>
+              <a:rPr lang="en-GB" sz="1600" b="0" strike="noStrike" spc="-1" dirty="0" err="1">
+                <a:solidFill>
+                  <a:srgbClr val="FFFFFF"/>
+                </a:solidFill>
+                <a:latin typeface="Calibri"/>
+                <a:ea typeface="DejaVu Sans"/>
+              </a:rPr>
+              <a:t>danych</a:t>
             </a:r>
             <a:r>
               <a:rPr lang="en-GB" sz="1600" b="0" strike="noStrike" spc="-1" dirty="0">
@@ -18478,15 +18904,8 @@
                 <a:latin typeface="Calibri"/>
                 <a:ea typeface="DejaVu Sans"/>
               </a:rPr>
-              <a:t>, </a:t>
-            </a:r>
-            <a:r>
-              <a:rPr dirty="0"/>
-              <a:t/>
-            </a:r>
-            <a:br>
-              <a:rPr dirty="0"/>
-            </a:br>
+              <a:t> </a:t>
+            </a:r>
             <a:r>
               <a:rPr lang="en-GB" sz="1600" b="0" strike="noStrike" spc="-1" dirty="0" err="1">
                 <a:solidFill>
@@ -18495,7 +18914,7 @@
                 <a:latin typeface="Calibri"/>
                 <a:ea typeface="DejaVu Sans"/>
               </a:rPr>
-              <a:t>Porównanie</a:t>
+              <a:t>wybranych</a:t>
             </a:r>
             <a:r>
               <a:rPr lang="en-GB" sz="1600" b="0" strike="noStrike" spc="-1" dirty="0">
@@ -18508,114 +18927,14 @@
               <a:t> </a:t>
             </a:r>
             <a:r>
-              <a:rPr lang="en-GB" sz="1600" b="0" strike="noStrike" spc="-1" dirty="0" err="1">
+              <a:rPr lang="en-GB" sz="1600" b="0" strike="noStrike" spc="-1" dirty="0" err="1" smtClean="0">
                 <a:solidFill>
                   <a:srgbClr val="FFFFFF"/>
                 </a:solidFill>
                 <a:latin typeface="Calibri"/>
                 <a:ea typeface="DejaVu Sans"/>
               </a:rPr>
-              <a:t>danych</a:t>
-            </a:r>
-            <a:r>
-              <a:rPr lang="en-GB" sz="1600" b="0" strike="noStrike" spc="-1" dirty="0">
-                <a:solidFill>
-                  <a:srgbClr val="FFFFFF"/>
-                </a:solidFill>
-                <a:latin typeface="Calibri"/>
-                <a:ea typeface="DejaVu Sans"/>
-              </a:rPr>
-              <a:t> </a:t>
-            </a:r>
-            <a:r>
-              <a:rPr lang="en-GB" sz="1600" b="0" strike="noStrike" spc="-1" dirty="0" err="1">
-                <a:solidFill>
-                  <a:srgbClr val="FFFFFF"/>
-                </a:solidFill>
-                <a:latin typeface="Calibri"/>
-                <a:ea typeface="DejaVu Sans"/>
-              </a:rPr>
-              <a:t>wybranych</a:t>
-            </a:r>
-            <a:r>
-              <a:rPr lang="en-GB" sz="1600" b="0" strike="noStrike" spc="-1" dirty="0">
-                <a:solidFill>
-                  <a:srgbClr val="FFFFFF"/>
-                </a:solidFill>
-                <a:latin typeface="Calibri"/>
-                <a:ea typeface="DejaVu Sans"/>
-              </a:rPr>
-              <a:t> </a:t>
-            </a:r>
-            <a:r>
-              <a:rPr lang="en-GB" sz="1600" b="0" strike="noStrike" spc="-1" dirty="0" err="1">
-                <a:solidFill>
-                  <a:srgbClr val="FFFFFF"/>
-                </a:solidFill>
-                <a:latin typeface="Calibri"/>
-                <a:ea typeface="DejaVu Sans"/>
-              </a:rPr>
               <a:t>państw</a:t>
-            </a:r>
-            <a:r>
-              <a:rPr lang="en-GB" sz="1600" b="0" strike="noStrike" spc="-1" dirty="0">
-                <a:solidFill>
-                  <a:srgbClr val="FFFFFF"/>
-                </a:solidFill>
-                <a:latin typeface="Calibri"/>
-                <a:ea typeface="DejaVu Sans"/>
-              </a:rPr>
-              <a:t> </a:t>
-            </a:r>
-            <a:r>
-              <a:rPr lang="en-GB" sz="1600" b="0" strike="noStrike" spc="-1" dirty="0" err="1">
-                <a:solidFill>
-                  <a:srgbClr val="FFFFFF"/>
-                </a:solidFill>
-                <a:latin typeface="Calibri"/>
-                <a:ea typeface="DejaVu Sans"/>
-              </a:rPr>
-              <a:t>na</a:t>
-            </a:r>
-            <a:r>
-              <a:rPr lang="en-GB" sz="1600" b="0" strike="noStrike" spc="-1" dirty="0">
-                <a:solidFill>
-                  <a:srgbClr val="FFFFFF"/>
-                </a:solidFill>
-                <a:latin typeface="Calibri"/>
-                <a:ea typeface="DejaVu Sans"/>
-              </a:rPr>
-              <a:t> </a:t>
-            </a:r>
-            <a:r>
-              <a:rPr lang="en-GB" sz="1600" b="0" strike="noStrike" spc="-1" dirty="0" err="1">
-                <a:solidFill>
-                  <a:srgbClr val="FFFFFF"/>
-                </a:solidFill>
-                <a:latin typeface="Calibri"/>
-                <a:ea typeface="DejaVu Sans"/>
-              </a:rPr>
-              <a:t>wykresie</a:t>
-            </a:r>
-            <a:r>
-              <a:rPr lang="en-GB" sz="1600" b="0" strike="noStrike" spc="-1" dirty="0">
-                <a:solidFill>
-                  <a:srgbClr val="FFFFFF"/>
-                </a:solidFill>
-                <a:latin typeface="Calibri"/>
-                <a:ea typeface="DejaVu Sans"/>
-              </a:rPr>
-              <a:t> </a:t>
-            </a:r>
-            <a:r>
-              <a:rPr lang="en-GB" sz="1600" b="0" strike="noStrike" spc="-1" dirty="0" err="1">
-                <a:solidFill>
-                  <a:srgbClr val="FFFFFF"/>
-                </a:solidFill>
-                <a:latin typeface="Calibri"/>
-                <a:ea typeface="DejaVu Sans"/>
-              </a:rPr>
-              <a:t>liniowym</a:t>
             </a:r>
             <a:endParaRPr lang="en-GB" sz="1600" b="0" strike="noStrike" spc="-1" dirty="0">
               <a:latin typeface="Arial"/>
@@ -18631,8 +18950,8 @@
         </p:nvSpPr>
         <p:spPr>
           <a:xfrm rot="10800000" flipV="1">
-            <a:off x="7308304" y="4149080"/>
-            <a:ext cx="1588320" cy="1582560"/>
+            <a:off x="7092280" y="3964680"/>
+            <a:ext cx="1152128" cy="616448"/>
           </a:xfrm>
           <a:prstGeom prst="wedgeRoundRectCallout">
             <a:avLst>
@@ -18674,26 +18993,26 @@
               </a:lnSpc>
             </a:pPr>
             <a:r>
-              <a:rPr lang="en-GB" sz="1600" b="1" strike="noStrike" spc="-1">
+              <a:rPr lang="pl-PL" sz="1600" b="0" strike="noStrike" spc="-1" dirty="0" smtClean="0">
                 <a:solidFill>
                   <a:srgbClr val="FFFFFF"/>
                 </a:solidFill>
                 <a:latin typeface="Calibri"/>
                 <a:ea typeface="DejaVu Sans"/>
               </a:rPr>
-              <a:t>Line Charts</a:t>
-            </a:r>
-            <a:r>
-              <a:rPr lang="en-GB" sz="1600" b="0" strike="noStrike" spc="-1">
+              <a:t>Wyb</a:t>
+            </a:r>
+            <a:r>
+              <a:rPr lang="pl-PL" sz="1600" spc="-1" dirty="0" smtClean="0">
                 <a:solidFill>
                   <a:srgbClr val="FFFFFF"/>
                 </a:solidFill>
                 <a:latin typeface="Calibri"/>
                 <a:ea typeface="DejaVu Sans"/>
               </a:rPr>
-              <a:t>, Możliwości usunięcia lub dodania wykresu</a:t>
-            </a:r>
-            <a:endParaRPr lang="en-GB" sz="1600" b="0" strike="noStrike" spc="-1">
+              <a:t>ór wykresów</a:t>
+            </a:r>
+            <a:endParaRPr lang="en-GB" sz="1600" b="0" strike="noStrike" spc="-1" dirty="0">
               <a:latin typeface="Arial"/>
             </a:endParaRPr>
           </a:p>
@@ -18707,8 +19026,8 @@
         </p:nvSpPr>
         <p:spPr>
           <a:xfrm>
-            <a:off x="4356000" y="5301360"/>
-            <a:ext cx="2226960" cy="1431000"/>
+            <a:off x="4356000" y="5517232"/>
+            <a:ext cx="2592264" cy="792088"/>
           </a:xfrm>
           <a:prstGeom prst="wedgeRoundRectCallout">
             <a:avLst>
@@ -18750,26 +19069,166 @@
               </a:lnSpc>
             </a:pPr>
             <a:r>
-              <a:rPr lang="en-GB" sz="1600" b="1" strike="noStrike" spc="-1">
+              <a:rPr lang="pl-PL" sz="1600" b="0" strike="noStrike" spc="-1" dirty="0" smtClean="0">
                 <a:solidFill>
                   <a:srgbClr val="FFFFFF"/>
                 </a:solidFill>
                 <a:latin typeface="Calibri"/>
                 <a:ea typeface="DejaVu Sans"/>
               </a:rPr>
-              <a:t>Specific Dates</a:t>
-            </a:r>
-            <a:r>
-              <a:rPr lang="en-GB" sz="1600" b="0" strike="noStrike" spc="-1">
+              <a:t>N</a:t>
+            </a:r>
+            <a:r>
+              <a:rPr lang="en-GB" sz="1600" b="0" strike="noStrike" spc="-1" dirty="0" err="1" smtClean="0">
                 <a:solidFill>
                   <a:srgbClr val="FFFFFF"/>
                 </a:solidFill>
                 <a:latin typeface="Calibri"/>
                 <a:ea typeface="DejaVu Sans"/>
               </a:rPr>
-              <a:t>, Najeżdżając na datę pokazują się dane z tego dnia, na którym znajduje się kursor</a:t>
-            </a:r>
-            <a:endParaRPr lang="en-GB" sz="1600" b="0" strike="noStrike" spc="-1">
+              <a:t>ajeżdżając</a:t>
+            </a:r>
+            <a:r>
+              <a:rPr lang="en-GB" sz="1600" b="0" strike="noStrike" spc="-1" dirty="0" smtClean="0">
+                <a:solidFill>
+                  <a:srgbClr val="FFFFFF"/>
+                </a:solidFill>
+                <a:latin typeface="Calibri"/>
+                <a:ea typeface="DejaVu Sans"/>
+              </a:rPr>
+              <a:t> </a:t>
+            </a:r>
+            <a:r>
+              <a:rPr lang="en-GB" sz="1600" b="0" strike="noStrike" spc="-1" dirty="0" err="1">
+                <a:solidFill>
+                  <a:srgbClr val="FFFFFF"/>
+                </a:solidFill>
+                <a:latin typeface="Calibri"/>
+                <a:ea typeface="DejaVu Sans"/>
+              </a:rPr>
+              <a:t>na</a:t>
+            </a:r>
+            <a:r>
+              <a:rPr lang="en-GB" sz="1600" b="0" strike="noStrike" spc="-1" dirty="0">
+                <a:solidFill>
+                  <a:srgbClr val="FFFFFF"/>
+                </a:solidFill>
+                <a:latin typeface="Calibri"/>
+                <a:ea typeface="DejaVu Sans"/>
+              </a:rPr>
+              <a:t> </a:t>
+            </a:r>
+            <a:r>
+              <a:rPr lang="pl-PL" sz="1600" b="0" strike="noStrike" spc="-1" dirty="0" smtClean="0">
+                <a:solidFill>
+                  <a:srgbClr val="FFFFFF"/>
+                </a:solidFill>
+                <a:latin typeface="Calibri"/>
+                <a:ea typeface="DejaVu Sans"/>
+              </a:rPr>
+              <a:t>wykres</a:t>
+            </a:r>
+            <a:r>
+              <a:rPr lang="en-GB" sz="1600" b="0" strike="noStrike" spc="-1" dirty="0" smtClean="0">
+                <a:solidFill>
+                  <a:srgbClr val="FFFFFF"/>
+                </a:solidFill>
+                <a:latin typeface="Calibri"/>
+                <a:ea typeface="DejaVu Sans"/>
+              </a:rPr>
+              <a:t> </a:t>
+            </a:r>
+            <a:r>
+              <a:rPr lang="en-GB" sz="1600" b="0" strike="noStrike" spc="-1" dirty="0" err="1">
+                <a:solidFill>
+                  <a:srgbClr val="FFFFFF"/>
+                </a:solidFill>
+                <a:latin typeface="Calibri"/>
+                <a:ea typeface="DejaVu Sans"/>
+              </a:rPr>
+              <a:t>pokazują</a:t>
+            </a:r>
+            <a:r>
+              <a:rPr lang="en-GB" sz="1600" b="0" strike="noStrike" spc="-1" dirty="0">
+                <a:solidFill>
+                  <a:srgbClr val="FFFFFF"/>
+                </a:solidFill>
+                <a:latin typeface="Calibri"/>
+                <a:ea typeface="DejaVu Sans"/>
+              </a:rPr>
+              <a:t> </a:t>
+            </a:r>
+            <a:r>
+              <a:rPr lang="en-GB" sz="1600" b="0" strike="noStrike" spc="-1" dirty="0" err="1">
+                <a:solidFill>
+                  <a:srgbClr val="FFFFFF"/>
+                </a:solidFill>
+                <a:latin typeface="Calibri"/>
+                <a:ea typeface="DejaVu Sans"/>
+              </a:rPr>
+              <a:t>się</a:t>
+            </a:r>
+            <a:r>
+              <a:rPr lang="en-GB" sz="1600" b="0" strike="noStrike" spc="-1" dirty="0">
+                <a:solidFill>
+                  <a:srgbClr val="FFFFFF"/>
+                </a:solidFill>
+                <a:latin typeface="Calibri"/>
+                <a:ea typeface="DejaVu Sans"/>
+              </a:rPr>
+              <a:t> </a:t>
+            </a:r>
+            <a:r>
+              <a:rPr lang="pl-PL" sz="1600" spc="-1" dirty="0" smtClean="0">
+                <a:solidFill>
+                  <a:srgbClr val="FFFFFF"/>
+                </a:solidFill>
+                <a:latin typeface="Calibri"/>
+                <a:ea typeface="DejaVu Sans"/>
+              </a:rPr>
+              <a:t>wartości</a:t>
+            </a:r>
+            <a:r>
+              <a:rPr lang="en-GB" sz="1600" b="0" strike="noStrike" spc="-1" dirty="0" smtClean="0">
+                <a:solidFill>
+                  <a:srgbClr val="FFFFFF"/>
+                </a:solidFill>
+                <a:latin typeface="Calibri"/>
+                <a:ea typeface="DejaVu Sans"/>
+              </a:rPr>
+              <a:t> </a:t>
+            </a:r>
+            <a:r>
+              <a:rPr lang="en-GB" sz="1600" b="0" strike="noStrike" spc="-1" dirty="0">
+                <a:solidFill>
+                  <a:srgbClr val="FFFFFF"/>
+                </a:solidFill>
+                <a:latin typeface="Calibri"/>
+                <a:ea typeface="DejaVu Sans"/>
+              </a:rPr>
+              <a:t>z </a:t>
+            </a:r>
+            <a:r>
+              <a:rPr lang="en-GB" sz="1600" b="0" strike="noStrike" spc="-1" dirty="0" smtClean="0">
+                <a:solidFill>
+                  <a:srgbClr val="FFFFFF"/>
+                </a:solidFill>
+                <a:latin typeface="Calibri"/>
+                <a:ea typeface="DejaVu Sans"/>
+              </a:rPr>
+              <a:t> </a:t>
+            </a:r>
+            <a:r>
+              <a:rPr lang="en-GB" sz="1600" b="0" strike="noStrike" spc="-1" dirty="0" err="1" smtClean="0">
+                <a:solidFill>
+                  <a:srgbClr val="FFFFFF"/>
+                </a:solidFill>
+                <a:latin typeface="Calibri"/>
+                <a:ea typeface="DejaVu Sans"/>
+              </a:rPr>
+              <a:t>dnia</a:t>
+            </a:r>
+            <a:endParaRPr lang="en-GB" sz="1600" b="0" strike="noStrike" spc="-1" dirty="0">
               <a:latin typeface="Arial"/>
             </a:endParaRPr>
           </a:p>
